--- a/架构详细说明 v2.0.pptx
+++ b/架构详细说明 v2.0.pptx
@@ -22,6 +22,7 @@
     <p:sldId id="267" r:id="rId19"/>
     <p:sldId id="268" r:id="rId20"/>
     <p:sldId id="269" r:id="rId21"/>
+    <p:sldId id="270" r:id="rId22"/>
   </p:sldIdLst>
   <p:sldSz cx="13004800" cy="9753600"/>
   <p:notesSz cx="6858000" cy="9144000"/>
@@ -3200,7 +3201,7 @@
       </p:grpSpPr>
       <p:sp>
         <p:nvSpPr>
-          <p:cNvPr id="239" name="架构的四次调整"/>
+          <p:cNvPr id="236" name="架构的四次调整"/>
           <p:cNvSpPr txBox="1"/>
           <p:nvPr>
             <p:ph type="title"/>
@@ -3224,7 +3225,7 @@
       </p:sp>
       <p:sp>
         <p:nvSpPr>
-          <p:cNvPr id="240" name="增加 platform 功能。…"/>
+          <p:cNvPr id="237" name="增加 platform 功能。…"/>
           <p:cNvSpPr txBox="1"/>
           <p:nvPr>
             <p:ph type="body" idx="1"/>
@@ -3292,7 +3293,7 @@
       </p:grpSpPr>
       <p:sp>
         <p:nvSpPr>
-          <p:cNvPr id="242" name="主要功能亮点"/>
+          <p:cNvPr id="239" name="主要功能亮点"/>
           <p:cNvSpPr txBox="1"/>
           <p:nvPr>
             <p:ph type="title"/>
@@ -3316,7 +3317,7 @@
       </p:sp>
       <p:sp>
         <p:nvSpPr>
-          <p:cNvPr id="243" name="进行RPC调用时，根据路由判断 请求发起方 和 请求执行者是否属于同一容器，来选择是否执行本地代码。…"/>
+          <p:cNvPr id="240" name="进行RPC调用时，根据路由判断 请求发起方 和 请求执行者是否属于同一容器，来选择是否执行本地代码。…"/>
           <p:cNvSpPr txBox="1"/>
           <p:nvPr>
             <p:ph type="body" idx="1"/>
@@ -3372,7 +3373,7 @@
       </p:grpSpPr>
       <p:sp>
         <p:nvSpPr>
-          <p:cNvPr id="245" name="其他特色功能"/>
+          <p:cNvPr id="242" name="其他特色功能"/>
           <p:cNvSpPr txBox="1"/>
           <p:nvPr>
             <p:ph type="title"/>
@@ -3396,7 +3397,7 @@
       </p:sp>
       <p:sp>
         <p:nvSpPr>
-          <p:cNvPr id="246" name="服务发现与注册…"/>
+          <p:cNvPr id="243" name="服务发现与注册…"/>
           <p:cNvSpPr txBox="1"/>
           <p:nvPr>
             <p:ph type="body" idx="1"/>
@@ -3491,14 +3492,14 @@
       </p:sp>
       <p:sp>
         <p:nvSpPr>
-          <p:cNvPr id="247" name="下面的功能点 可能在描述中 出现重合的地方。"/>
+          <p:cNvPr id="244" name="下面功能在其他文档中有详细介绍"/>
           <p:cNvSpPr txBox="1"/>
           <p:nvPr/>
         </p:nvSpPr>
         <p:spPr>
           <a:xfrm>
-            <a:off x="3573576" y="1905000"/>
-            <a:ext cx="5857648" cy="482601"/>
+            <a:off x="4349749" y="1905000"/>
+            <a:ext cx="4305301" cy="482601"/>
           </a:xfrm>
           <a:prstGeom prst="rect">
             <a:avLst/>
@@ -3535,7 +3536,7 @@
           <a:p>
             <a:pPr/>
             <a:r>
-              <a:t>下面的功能点 可能在描述中 出现重合的地方。</a:t>
+              <a:t>下面功能在其他文档中有详细介绍</a:t>
             </a:r>
           </a:p>
         </p:txBody>
@@ -3568,31 +3569,7 @@
       </p:grpSpPr>
       <p:sp>
         <p:nvSpPr>
-          <p:cNvPr id="249" name="14 个 功能点"/>
-          <p:cNvSpPr txBox="1"/>
-          <p:nvPr>
-            <p:ph type="title"/>
-          </p:nvPr>
-        </p:nvSpPr>
-        <p:spPr>
-          <a:prstGeom prst="rect">
-            <a:avLst/>
-          </a:prstGeom>
-        </p:spPr>
-        <p:txBody>
-          <a:bodyPr/>
-          <a:lstStyle/>
-          <a:p>
-            <a:pPr/>
-            <a:r>
-              <a:t>14 个 功能点</a:t>
-            </a:r>
-          </a:p>
-        </p:txBody>
-      </p:sp>
-      <p:sp>
-        <p:nvSpPr>
-          <p:cNvPr id="250" name="权限部分…"/>
+          <p:cNvPr id="246" name="权限部分…"/>
           <p:cNvSpPr txBox="1"/>
           <p:nvPr>
             <p:ph type="body" idx="1"/>
@@ -3681,6 +3658,81 @@
             </a:pPr>
             <a:r>
               <a:t>业务模块管理功能</a:t>
+            </a:r>
+          </a:p>
+        </p:txBody>
+      </p:sp>
+      <p:sp>
+        <p:nvSpPr>
+          <p:cNvPr id="247" name="下面功能在其他文档中有详细介绍"/>
+          <p:cNvSpPr txBox="1"/>
+          <p:nvPr/>
+        </p:nvSpPr>
+        <p:spPr>
+          <a:xfrm>
+            <a:off x="4349749" y="1905000"/>
+            <a:ext cx="4305301" cy="482601"/>
+          </a:xfrm>
+          <a:prstGeom prst="rect">
+            <a:avLst/>
+          </a:prstGeom>
+          <a:solidFill>
+            <a:srgbClr val="000000"/>
+          </a:solidFill>
+          <a:ln w="12700">
+            <a:miter lim="400000"/>
+          </a:ln>
+          <a:extLst>
+            <a:ext uri="{C572A759-6A51-4108-AA02-DFA0A04FC94B}">
+              <ma14:wrappingTextBoxFlag xmlns:ma14="http://schemas.microsoft.com/office/mac/drawingml/2011/main" val="1"/>
+            </a:ext>
+          </a:extLst>
+        </p:spPr>
+        <p:txBody>
+          <a:bodyPr wrap="none" lIns="50800" tIns="50800" rIns="50800" bIns="50800" anchor="ctr">
+            <a:spAutoFit/>
+          </a:bodyPr>
+          <a:lstStyle>
+            <a:lvl1pPr>
+              <a:defRPr b="0" sz="2200">
+                <a:solidFill>
+                  <a:srgbClr val="00F900"/>
+                </a:solidFill>
+                <a:latin typeface="+mn-lt"/>
+                <a:ea typeface="+mn-ea"/>
+                <a:cs typeface="+mn-cs"/>
+                <a:sym typeface="Helvetica Neue Medium"/>
+              </a:defRPr>
+            </a:lvl1pPr>
+          </a:lstStyle>
+          <a:p>
+            <a:pPr/>
+            <a:r>
+              <a:t>下面功能在其他文档中有详细介绍</a:t>
+            </a:r>
+          </a:p>
+        </p:txBody>
+      </p:sp>
+      <p:sp>
+        <p:nvSpPr>
+          <p:cNvPr id="248" name="其他特色功能"/>
+          <p:cNvSpPr txBox="1"/>
+          <p:nvPr>
+            <p:ph type="title"/>
+          </p:nvPr>
+        </p:nvSpPr>
+        <p:spPr>
+          <a:prstGeom prst="rect">
+            <a:avLst/>
+          </a:prstGeom>
+        </p:spPr>
+        <p:txBody>
+          <a:bodyPr/>
+          <a:lstStyle/>
+          <a:p>
+            <a:pPr/>
+            <a:r>
+              <a:t>其他特色功能</a:t>
             </a:r>
           </a:p>
         </p:txBody>
@@ -3713,7 +3765,7 @@
       </p:grpSpPr>
       <p:sp>
         <p:nvSpPr>
-          <p:cNvPr id="252" name="目前已知缺陷"/>
+          <p:cNvPr id="250" name="目前已知缺陷"/>
           <p:cNvSpPr txBox="1"/>
           <p:nvPr>
             <p:ph type="title"/>
@@ -3737,7 +3789,7 @@
       </p:sp>
       <p:sp>
         <p:nvSpPr>
-          <p:cNvPr id="253" name="没有心跳机制，中心服务器不能及时判断 服务节点是否可用。架构没有自动降级服务机制。…"/>
+          <p:cNvPr id="251" name="没有心跳机制，中心服务器不能及时判断 服务节点是否可用。架构没有自动降级服务机制。…"/>
           <p:cNvSpPr txBox="1"/>
           <p:nvPr>
             <p:ph type="body" idx="1"/>
@@ -3761,6 +3813,96 @@
             <a:pPr/>
             <a:r>
               <a:t>没有使用 持续集成工具。</a:t>
+            </a:r>
+          </a:p>
+        </p:txBody>
+      </p:sp>
+    </p:spTree>
+  </p:cSld>
+  <p:clrMapOvr>
+    <a:masterClrMapping/>
+  </p:clrMapOvr>
+  <p:transition xmlns:p14="http://schemas.microsoft.com/office/powerpoint/2010/main" spd="med" advClick="1"/>
+</p:sld>
+</file>
+
+<file path=ppt/slides/slide15.xml><?xml version="1.0" encoding="utf-8"?>
+<p:sld xmlns:a="http://schemas.openxmlformats.org/drawingml/2006/main" xmlns:r="http://schemas.openxmlformats.org/officeDocument/2006/relationships" xmlns:p="http://schemas.openxmlformats.org/presentationml/2006/main" xmlns:m="http://schemas.openxmlformats.org/officeDocument/2006/math" xmlns:a14="http://schemas.microsoft.com/office/drawing/2010/main" showMasterSp="1" showMasterPhAnim="1">
+  <p:cSld>
+    <p:spTree>
+      <p:nvGrpSpPr>
+        <p:cNvPr id="1" name=""/>
+        <p:cNvGrpSpPr/>
+        <p:nvPr/>
+      </p:nvGrpSpPr>
+      <p:grpSpPr>
+        <a:xfrm>
+          <a:off x="0" y="0"/>
+          <a:ext cx="0" cy="0"/>
+          <a:chOff x="0" y="0"/>
+          <a:chExt cx="0" cy="0"/>
+        </a:xfrm>
+      </p:grpSpPr>
+      <p:sp>
+        <p:nvSpPr>
+          <p:cNvPr id="253" name="完毕"/>
+          <p:cNvSpPr txBox="1"/>
+          <p:nvPr>
+            <p:ph type="title"/>
+          </p:nvPr>
+        </p:nvSpPr>
+        <p:spPr>
+          <a:xfrm>
+            <a:off x="952500" y="2425700"/>
+            <a:ext cx="11099800" cy="2159000"/>
+          </a:xfrm>
+          <a:prstGeom prst="rect">
+            <a:avLst/>
+          </a:prstGeom>
+        </p:spPr>
+        <p:txBody>
+          <a:bodyPr/>
+          <a:lstStyle/>
+          <a:p>
+            <a:pPr/>
+            <a:r>
+              <a:t>完毕</a:t>
+            </a:r>
+          </a:p>
+        </p:txBody>
+      </p:sp>
+      <p:sp>
+        <p:nvSpPr>
+          <p:cNvPr id="254" name="谢谢观看"/>
+          <p:cNvSpPr txBox="1"/>
+          <p:nvPr/>
+        </p:nvSpPr>
+        <p:spPr>
+          <a:xfrm>
+            <a:off x="5835650" y="5162550"/>
+            <a:ext cx="1333501" cy="520700"/>
+          </a:xfrm>
+          <a:prstGeom prst="rect">
+            <a:avLst/>
+          </a:prstGeom>
+          <a:ln w="12700">
+            <a:miter lim="400000"/>
+          </a:ln>
+          <a:extLst>
+            <a:ext uri="{C572A759-6A51-4108-AA02-DFA0A04FC94B}">
+              <ma14:wrappingTextBoxFlag xmlns:ma14="http://schemas.microsoft.com/office/mac/drawingml/2011/main" val="1"/>
+            </a:ext>
+          </a:extLst>
+        </p:spPr>
+        <p:txBody>
+          <a:bodyPr wrap="none" lIns="50800" tIns="50800" rIns="50800" bIns="50800" anchor="ctr">
+            <a:spAutoFit/>
+          </a:bodyPr>
+          <a:lstStyle/>
+          <a:p>
+            <a:pPr/>
+            <a:r>
+              <a:t>谢谢观看</a:t>
             </a:r>
           </a:p>
         </p:txBody>
@@ -4169,14 +4311,14 @@
       </p:grpSpPr>
       <p:sp>
         <p:nvSpPr>
-          <p:cNvPr id="133" name="核心模块  图例说明"/>
+          <p:cNvPr id="133" name="核心模块简述 及依赖关系  图例说明"/>
           <p:cNvSpPr txBox="1"/>
           <p:nvPr/>
         </p:nvSpPr>
         <p:spPr>
           <a:xfrm>
-            <a:off x="1292026" y="97928"/>
-            <a:ext cx="8813404" cy="520701"/>
+            <a:off x="1228526" y="419932"/>
+            <a:ext cx="8813404" cy="635001"/>
           </a:xfrm>
           <a:prstGeom prst="rect">
             <a:avLst/>
@@ -4194,11 +4336,19 @@
           <a:bodyPr lIns="50800" tIns="50800" rIns="50800" bIns="50800" anchor="ctr">
             <a:spAutoFit/>
           </a:bodyPr>
-          <a:lstStyle/>
+          <a:lstStyle>
+            <a:lvl1pPr>
+              <a:defRPr sz="3000">
+                <a:solidFill>
+                  <a:srgbClr val="00F900"/>
+                </a:solidFill>
+              </a:defRPr>
+            </a:lvl1pPr>
+          </a:lstStyle>
           <a:p>
             <a:pPr/>
             <a:r>
-              <a:t>核心模块  图例说明</a:t>
+              <a:t>核心模块简述 及依赖关系  图例说明</a:t>
             </a:r>
           </a:p>
         </p:txBody>
@@ -4211,12 +4361,12 @@
         </p:nvSpPr>
         <p:spPr>
           <a:xfrm>
-            <a:off x="1063525" y="1606252"/>
-            <a:ext cx="2814738" cy="2009577"/>
+            <a:off x="1926529" y="1552186"/>
+            <a:ext cx="6794322" cy="870596"/>
           </a:xfrm>
           <a:prstGeom prst="roundRect">
             <a:avLst>
-              <a:gd name="adj" fmla="val 8665"/>
+              <a:gd name="adj" fmla="val 20002"/>
             </a:avLst>
           </a:prstGeom>
           <a:solidFill>
@@ -4238,7 +4388,7 @@
           <a:lstStyle/>
           <a:p>
             <a:pPr>
-              <a:defRPr b="0" sz="1400">
+              <a:defRPr b="0" sz="1300">
                 <a:latin typeface="+mn-lt"/>
                 <a:ea typeface="+mn-ea"/>
                 <a:cs typeface="+mn-cs"/>
@@ -4251,7 +4401,7 @@
           </a:p>
           <a:p>
             <a:pPr>
-              <a:defRPr b="0" sz="1400">
+              <a:defRPr b="0" sz="1300">
                 <a:latin typeface="+mn-lt"/>
                 <a:ea typeface="+mn-ea"/>
                 <a:cs typeface="+mn-cs"/>
@@ -4259,12 +4409,12 @@
               </a:defRPr>
             </a:pPr>
             <a:r>
-              <a:t>主要负责，通过pom.xml 打包 非bundle 格式的jar包，然后，通过配置文件，对外进行提供。</a:t>
+              <a:t>主要负责，通过pom.xml 打包 非bundle 格式的jar包，然后，通过配置文件，进行对外提供。</a:t>
             </a:r>
           </a:p>
           <a:p>
             <a:pPr>
-              <a:defRPr b="0" sz="1400">
+              <a:defRPr b="0" sz="1300">
                 <a:latin typeface="+mn-lt"/>
                 <a:ea typeface="+mn-ea"/>
                 <a:cs typeface="+mn-cs"/>
@@ -4274,7 +4424,7 @@
           </a:p>
           <a:p>
             <a:pPr>
-              <a:defRPr b="0" sz="1400">
+              <a:defRPr b="0" sz="1300">
                 <a:latin typeface="+mn-lt"/>
                 <a:ea typeface="+mn-ea"/>
                 <a:cs typeface="+mn-cs"/>
@@ -4295,7 +4445,7 @@
         </p:nvSpPr>
         <p:spPr>
           <a:xfrm>
-            <a:off x="2003325" y="4603452"/>
+            <a:off x="1874789" y="2968542"/>
             <a:ext cx="2814738" cy="2009577"/>
           </a:xfrm>
           <a:prstGeom prst="roundRect">
@@ -4318,7 +4468,7 @@
           </a:extLst>
         </p:spPr>
         <p:txBody>
-          <a:bodyPr lIns="50800" tIns="50800" rIns="50800" bIns="50800"/>
+          <a:bodyPr lIns="50800" tIns="50800" rIns="50800" bIns="50800" anchor="ctr"/>
           <a:lstStyle/>
           <a:p>
             <a:pPr>
@@ -4346,51 +4496,27 @@
               <a:t>封装的操作 mongodb 数据库的模块，任何需要操作数据库的 功能，都需要使用 当前项目 。</a:t>
             </a:r>
           </a:p>
-          <a:p>
-            <a:pPr>
-              <a:defRPr b="0" sz="1400">
-                <a:latin typeface="+mn-lt"/>
-                <a:ea typeface="+mn-ea"/>
-                <a:cs typeface="+mn-cs"/>
-                <a:sym typeface="Helvetica Neue Medium"/>
-              </a:defRPr>
-            </a:pPr>
-          </a:p>
-          <a:p>
-            <a:pPr>
-              <a:defRPr b="0" sz="1400">
-                <a:latin typeface="+mn-lt"/>
-                <a:ea typeface="+mn-ea"/>
-                <a:cs typeface="+mn-cs"/>
-                <a:sym typeface="Helvetica Neue Medium"/>
-              </a:defRPr>
-            </a:pPr>
-            <a:r>
-              <a:t>关键类：entity ，任意数据，都可以通过 entity 类来进行操作。</a:t>
-            </a:r>
-          </a:p>
-        </p:txBody>
-      </p:sp>
-      <p:sp>
-        <p:nvSpPr>
-          <p:cNvPr id="136" name="线条"/>
+        </p:txBody>
+      </p:sp>
+      <p:sp>
+        <p:nvSpPr>
+          <p:cNvPr id="136" name="矩形"/>
           <p:cNvSpPr/>
           <p:nvPr/>
         </p:nvSpPr>
         <p:spPr>
-          <a:xfrm flipH="1" flipV="1">
-            <a:off x="2604889" y="3704359"/>
-            <a:ext cx="801584" cy="801584"/>
-          </a:xfrm>
-          <a:prstGeom prst="line">
-            <a:avLst/>
-          </a:prstGeom>
-          <a:ln w="25400">
-            <a:solidFill>
-              <a:srgbClr val="FFFFFF"/>
-            </a:solidFill>
+          <a:xfrm>
+            <a:off x="331635" y="2282547"/>
+            <a:ext cx="990452" cy="3596730"/>
+          </a:xfrm>
+          <a:prstGeom prst="rect">
+            <a:avLst/>
+          </a:prstGeom>
+          <a:solidFill>
+            <a:schemeClr val="accent6"/>
+          </a:solidFill>
+          <a:ln w="12700">
             <a:miter lim="400000"/>
-            <a:tailEnd type="triangle"/>
           </a:ln>
         </p:spPr>
         <p:txBody>
@@ -4410,14 +4536,14 @@
       </p:sp>
       <p:sp>
         <p:nvSpPr>
-          <p:cNvPr id="137" name="依赖"/>
+          <p:cNvPr id="137" name="MongoDB"/>
           <p:cNvSpPr txBox="1"/>
           <p:nvPr/>
         </p:nvSpPr>
         <p:spPr>
           <a:xfrm>
-            <a:off x="2648220" y="3849290"/>
-            <a:ext cx="723901" cy="520701"/>
+            <a:off x="375286" y="3823824"/>
+            <a:ext cx="903149" cy="300012"/>
           </a:xfrm>
           <a:prstGeom prst="rect">
             <a:avLst/>
@@ -4436,40 +4562,36 @@
             <a:spAutoFit/>
           </a:bodyPr>
           <a:lstStyle>
-            <a:lvl1pPr defTabSz="419100">
-              <a:defRPr>
-                <a:solidFill>
-                  <a:srgbClr val="C82506"/>
-                </a:solidFill>
-              </a:defRPr>
+            <a:lvl1pPr>
+              <a:defRPr sz="1300"/>
             </a:lvl1pPr>
           </a:lstStyle>
           <a:p>
             <a:pPr/>
             <a:r>
-              <a:t>依赖</a:t>
-            </a:r>
-          </a:p>
-        </p:txBody>
-      </p:sp>
-      <p:sp>
-        <p:nvSpPr>
-          <p:cNvPr id="138" name="正方形"/>
+              <a:t>MongoDB</a:t>
+            </a:r>
+          </a:p>
+        </p:txBody>
+      </p:sp>
+      <p:sp>
+        <p:nvSpPr>
+          <p:cNvPr id="138" name="线条"/>
           <p:cNvSpPr/>
           <p:nvPr/>
         </p:nvSpPr>
         <p:spPr>
           <a:xfrm>
-            <a:off x="255435" y="4973240"/>
-            <a:ext cx="1270001" cy="1270001"/>
-          </a:xfrm>
-          <a:prstGeom prst="rect">
-            <a:avLst/>
-          </a:prstGeom>
-          <a:solidFill>
-            <a:schemeClr val="accent6"/>
-          </a:solidFill>
-          <a:ln w="12700">
+            <a:off x="1389506" y="3973829"/>
+            <a:ext cx="424578" cy="1"/>
+          </a:xfrm>
+          <a:prstGeom prst="line">
+            <a:avLst/>
+          </a:prstGeom>
+          <a:ln w="25400">
+            <a:solidFill>
+              <a:srgbClr val="FFFFFF"/>
+            </a:solidFill>
             <a:miter lim="400000"/>
           </a:ln>
         </p:spPr>
@@ -4490,126 +4612,14 @@
       </p:sp>
       <p:sp>
         <p:nvSpPr>
-          <p:cNvPr id="139" name="MongoDB"/>
-          <p:cNvSpPr txBox="1"/>
-          <p:nvPr/>
-        </p:nvSpPr>
-        <p:spPr>
-          <a:xfrm>
-            <a:off x="317499" y="5427221"/>
-            <a:ext cx="1145872" cy="362039"/>
-          </a:xfrm>
-          <a:prstGeom prst="rect">
-            <a:avLst/>
-          </a:prstGeom>
-          <a:ln w="12700">
-            <a:miter lim="400000"/>
-          </a:ln>
-          <a:extLst>
-            <a:ext uri="{C572A759-6A51-4108-AA02-DFA0A04FC94B}">
-              <ma14:wrappingTextBoxFlag xmlns:ma14="http://schemas.microsoft.com/office/mac/drawingml/2011/main" val="1"/>
-            </a:ext>
-          </a:extLst>
-        </p:spPr>
-        <p:txBody>
-          <a:bodyPr wrap="none" lIns="50800" tIns="50800" rIns="50800" bIns="50800" anchor="ctr">
-            <a:spAutoFit/>
-          </a:bodyPr>
-          <a:lstStyle>
-            <a:lvl1pPr>
-              <a:defRPr sz="1700"/>
-            </a:lvl1pPr>
-          </a:lstStyle>
-          <a:p>
-            <a:pPr/>
-            <a:r>
-              <a:t>MongoDB</a:t>
-            </a:r>
-          </a:p>
-        </p:txBody>
-      </p:sp>
-      <p:sp>
-        <p:nvSpPr>
-          <p:cNvPr id="140" name="线条"/>
+          <p:cNvPr id="139" name="network  模块：…"/>
           <p:cNvSpPr/>
           <p:nvPr/>
         </p:nvSpPr>
         <p:spPr>
           <a:xfrm>
-            <a:off x="1552091" y="5608240"/>
-            <a:ext cx="424578" cy="1"/>
-          </a:xfrm>
-          <a:prstGeom prst="line">
-            <a:avLst/>
-          </a:prstGeom>
-          <a:ln w="25400">
-            <a:solidFill>
-              <a:srgbClr val="FFFFFF"/>
-            </a:solidFill>
-            <a:miter lim="400000"/>
-          </a:ln>
-        </p:spPr>
-        <p:txBody>
-          <a:bodyPr lIns="50800" tIns="50800" rIns="50800" bIns="50800" anchor="ctr"/>
-          <a:lstStyle/>
-          <a:p>
-            <a:pPr>
-              <a:defRPr b="0" sz="2200">
-                <a:latin typeface="+mn-lt"/>
-                <a:ea typeface="+mn-ea"/>
-                <a:cs typeface="+mn-cs"/>
-                <a:sym typeface="Helvetica Neue Medium"/>
-              </a:defRPr>
-            </a:pPr>
-          </a:p>
-        </p:txBody>
-      </p:sp>
-      <p:sp>
-        <p:nvSpPr>
-          <p:cNvPr id="141" name="所有的项目之间的依赖，都可以通过 项目的 pom.xml 进行查看。"/>
-          <p:cNvSpPr txBox="1"/>
-          <p:nvPr/>
-        </p:nvSpPr>
-        <p:spPr>
-          <a:xfrm>
-            <a:off x="1230969" y="654050"/>
-            <a:ext cx="8935518" cy="520701"/>
-          </a:xfrm>
-          <a:prstGeom prst="rect">
-            <a:avLst/>
-          </a:prstGeom>
-          <a:ln w="12700">
-            <a:miter lim="400000"/>
-          </a:ln>
-          <a:extLst>
-            <a:ext uri="{C572A759-6A51-4108-AA02-DFA0A04FC94B}">
-              <ma14:wrappingTextBoxFlag xmlns:ma14="http://schemas.microsoft.com/office/mac/drawingml/2011/main" val="1"/>
-            </a:ext>
-          </a:extLst>
-        </p:spPr>
-        <p:txBody>
-          <a:bodyPr wrap="none" lIns="50800" tIns="50800" rIns="50800" bIns="50800" anchor="ctr">
-            <a:spAutoFit/>
-          </a:bodyPr>
-          <a:lstStyle/>
-          <a:p>
-            <a:pPr/>
-            <a:r>
-              <a:t>所有的项目之间的依赖，都可以通过 项目的 pom.xml 进行查看。</a:t>
-            </a:r>
-          </a:p>
-        </p:txBody>
-      </p:sp>
-      <p:sp>
-        <p:nvSpPr>
-          <p:cNvPr id="142" name="network  模块：…"/>
-          <p:cNvSpPr/>
-          <p:nvPr/>
-        </p:nvSpPr>
-        <p:spPr>
-          <a:xfrm>
-            <a:off x="5787925" y="1976566"/>
-            <a:ext cx="2814738" cy="2009578"/>
+            <a:off x="5884822" y="2977185"/>
+            <a:ext cx="2814738" cy="2009577"/>
           </a:xfrm>
           <a:prstGeom prst="roundRect">
             <a:avLst>
@@ -4631,7 +4641,7 @@
           </a:extLst>
         </p:spPr>
         <p:txBody>
-          <a:bodyPr lIns="50800" tIns="50800" rIns="50800" bIns="50800"/>
+          <a:bodyPr lIns="50800" tIns="50800" rIns="50800" bIns="50800" anchor="ctr"/>
           <a:lstStyle/>
           <a:p>
             <a:pPr>
@@ -4672,207 +4682,22 @@
               <a:t>而 RPC 模块 所进行的通讯，就是依赖当前模块。</a:t>
             </a:r>
           </a:p>
-          <a:p>
-            <a:pPr>
-              <a:defRPr b="0" sz="1200">
-                <a:latin typeface="+mn-lt"/>
-                <a:ea typeface="+mn-ea"/>
-                <a:cs typeface="+mn-cs"/>
-                <a:sym typeface="Helvetica Neue Medium"/>
-              </a:defRPr>
-            </a:pPr>
-          </a:p>
-          <a:p>
-            <a:pPr>
-              <a:defRPr b="0" sz="1200">
-                <a:latin typeface="+mn-lt"/>
-                <a:ea typeface="+mn-ea"/>
-                <a:cs typeface="+mn-cs"/>
-                <a:sym typeface="Helvetica Neue Medium"/>
-              </a:defRPr>
-            </a:pPr>
-            <a:r>
-              <a:t>关键类 有 ：Message ,任意一次调用，真正传输的数据，都是一个 Message.</a:t>
-            </a:r>
-          </a:p>
-        </p:txBody>
-      </p:sp>
-      <p:sp>
-        <p:nvSpPr>
-          <p:cNvPr id="143" name="线条"/>
+        </p:txBody>
+      </p:sp>
+      <p:sp>
+        <p:nvSpPr>
+          <p:cNvPr id="140" name="RPC  模块：…"/>
           <p:cNvSpPr/>
           <p:nvPr/>
         </p:nvSpPr>
         <p:spPr>
-          <a:xfrm flipH="1" flipV="1">
-            <a:off x="3910666" y="2857367"/>
-            <a:ext cx="1950686" cy="1"/>
-          </a:xfrm>
-          <a:prstGeom prst="line">
-            <a:avLst/>
-          </a:prstGeom>
-          <a:ln w="25400">
-            <a:solidFill>
-              <a:srgbClr val="FFFFFF"/>
-            </a:solidFill>
-            <a:miter lim="400000"/>
-            <a:tailEnd type="triangle"/>
-          </a:ln>
-        </p:spPr>
-        <p:txBody>
-          <a:bodyPr lIns="50800" tIns="50800" rIns="50800" bIns="50800" anchor="ctr"/>
-          <a:lstStyle/>
-          <a:p>
-            <a:pPr>
-              <a:defRPr b="0" sz="2200">
-                <a:latin typeface="+mn-lt"/>
-                <a:ea typeface="+mn-ea"/>
-                <a:cs typeface="+mn-cs"/>
-                <a:sym typeface="Helvetica Neue Medium"/>
-              </a:defRPr>
-            </a:pPr>
-          </a:p>
-        </p:txBody>
-      </p:sp>
-      <p:sp>
-        <p:nvSpPr>
-          <p:cNvPr id="144" name="依赖"/>
-          <p:cNvSpPr txBox="1"/>
-          <p:nvPr/>
-        </p:nvSpPr>
-        <p:spPr>
           <a:xfrm>
-            <a:off x="4524059" y="2597017"/>
-            <a:ext cx="723901" cy="520701"/>
-          </a:xfrm>
-          <a:prstGeom prst="rect">
-            <a:avLst/>
-          </a:prstGeom>
-          <a:ln w="12700">
-            <a:miter lim="400000"/>
-          </a:ln>
-          <a:extLst>
-            <a:ext uri="{C572A759-6A51-4108-AA02-DFA0A04FC94B}">
-              <ma14:wrappingTextBoxFlag xmlns:ma14="http://schemas.microsoft.com/office/mac/drawingml/2011/main" val="1"/>
-            </a:ext>
-          </a:extLst>
-        </p:spPr>
-        <p:txBody>
-          <a:bodyPr wrap="none" lIns="50800" tIns="50800" rIns="50800" bIns="50800" anchor="ctr">
-            <a:spAutoFit/>
-          </a:bodyPr>
-          <a:lstStyle>
-            <a:lvl1pPr defTabSz="419100">
-              <a:defRPr>
-                <a:solidFill>
-                  <a:srgbClr val="C82506"/>
-                </a:solidFill>
-              </a:defRPr>
-            </a:lvl1pPr>
-          </a:lstStyle>
-          <a:p>
-            <a:pPr/>
-            <a:r>
-              <a:t>依赖</a:t>
-            </a:r>
-          </a:p>
-        </p:txBody>
-      </p:sp>
-      <p:sp>
-        <p:nvSpPr>
-          <p:cNvPr id="145" name="线条"/>
-          <p:cNvSpPr/>
-          <p:nvPr/>
-        </p:nvSpPr>
-        <p:spPr>
-          <a:xfrm flipH="1">
-            <a:off x="4719604" y="3996145"/>
-            <a:ext cx="1140108" cy="570101"/>
-          </a:xfrm>
-          <a:prstGeom prst="line">
-            <a:avLst/>
-          </a:prstGeom>
-          <a:ln w="25400">
-            <a:solidFill>
-              <a:srgbClr val="FFFFFF"/>
-            </a:solidFill>
-            <a:miter lim="400000"/>
-            <a:tailEnd type="triangle"/>
-          </a:ln>
-        </p:spPr>
-        <p:txBody>
-          <a:bodyPr lIns="50800" tIns="50800" rIns="50800" bIns="50800" anchor="ctr"/>
-          <a:lstStyle/>
-          <a:p>
-            <a:pPr>
-              <a:defRPr b="0" sz="2200">
-                <a:latin typeface="+mn-lt"/>
-                <a:ea typeface="+mn-ea"/>
-                <a:cs typeface="+mn-cs"/>
-                <a:sym typeface="Helvetica Neue Medium"/>
-              </a:defRPr>
-            </a:pPr>
-          </a:p>
-        </p:txBody>
-      </p:sp>
-      <p:sp>
-        <p:nvSpPr>
-          <p:cNvPr id="146" name="依赖"/>
-          <p:cNvSpPr txBox="1"/>
-          <p:nvPr/>
-        </p:nvSpPr>
-        <p:spPr>
-          <a:xfrm>
-            <a:off x="4941044" y="4115125"/>
-            <a:ext cx="546101" cy="406401"/>
-          </a:xfrm>
-          <a:prstGeom prst="rect">
-            <a:avLst/>
-          </a:prstGeom>
-          <a:ln w="12700">
-            <a:miter lim="400000"/>
-          </a:ln>
-          <a:extLst>
-            <a:ext uri="{C572A759-6A51-4108-AA02-DFA0A04FC94B}">
-              <ma14:wrappingTextBoxFlag xmlns:ma14="http://schemas.microsoft.com/office/mac/drawingml/2011/main" val="1"/>
-            </a:ext>
-          </a:extLst>
-        </p:spPr>
-        <p:txBody>
-          <a:bodyPr wrap="none" lIns="50800" tIns="50800" rIns="50800" bIns="50800" anchor="ctr">
-            <a:spAutoFit/>
-          </a:bodyPr>
-          <a:lstStyle>
-            <a:lvl1pPr defTabSz="419100">
-              <a:defRPr sz="1700">
-                <a:solidFill>
-                  <a:srgbClr val="C82506"/>
-                </a:solidFill>
-              </a:defRPr>
-            </a:lvl1pPr>
-          </a:lstStyle>
-          <a:p>
-            <a:pPr/>
-            <a:r>
-              <a:t>依赖</a:t>
-            </a:r>
-          </a:p>
-        </p:txBody>
-      </p:sp>
-      <p:sp>
-        <p:nvSpPr>
-          <p:cNvPr id="147" name="RPC  模块：…"/>
-          <p:cNvSpPr/>
-          <p:nvPr/>
-        </p:nvSpPr>
-        <p:spPr>
-          <a:xfrm>
-            <a:off x="3916322" y="7156152"/>
-            <a:ext cx="2814737" cy="2009577"/>
+            <a:off x="3645872" y="5480444"/>
+            <a:ext cx="3282604" cy="1028552"/>
           </a:xfrm>
           <a:prstGeom prst="roundRect">
             <a:avLst>
-              <a:gd name="adj" fmla="val 8665"/>
+              <a:gd name="adj" fmla="val 16930"/>
             </a:avLst>
           </a:prstGeom>
           <a:solidFill>
@@ -4890,7 +4715,7 @@
           </a:extLst>
         </p:spPr>
         <p:txBody>
-          <a:bodyPr lIns="50800" tIns="50800" rIns="50800" bIns="50800"/>
+          <a:bodyPr lIns="50800" tIns="50800" rIns="50800" bIns="50800" anchor="ctr"/>
           <a:lstStyle/>
           <a:p>
             <a:pPr>
@@ -4927,6 +4752,19 @@
                 <a:sym typeface="Helvetica Neue Medium"/>
               </a:defRPr>
             </a:pPr>
+            <a:r>
+              <a:t>当前模块主要负责管理 远程调用和 路由 等信息。</a:t>
+            </a:r>
+          </a:p>
+          <a:p>
+            <a:pPr>
+              <a:defRPr b="0" sz="1100">
+                <a:latin typeface="+mn-lt"/>
+                <a:ea typeface="+mn-ea"/>
+                <a:cs typeface="+mn-cs"/>
+                <a:sym typeface="Helvetica Neue Medium"/>
+              </a:defRPr>
+            </a:pPr>
           </a:p>
           <a:p>
             <a:pPr algn="l">
@@ -4937,13 +4775,45 @@
                 <a:sym typeface="Helvetica Neue Medium"/>
               </a:defRPr>
             </a:pPr>
-            <a:r>
-              <a:t>关键类 有 ：</a:t>
-            </a:r>
-          </a:p>
-          <a:p>
-            <a:pPr algn="l">
-              <a:defRPr b="0" sz="1100">
+          </a:p>
+        </p:txBody>
+      </p:sp>
+      <p:sp>
+        <p:nvSpPr>
+          <p:cNvPr id="141" name="Module   模块：…"/>
+          <p:cNvSpPr/>
+          <p:nvPr/>
+        </p:nvSpPr>
+        <p:spPr>
+          <a:xfrm>
+            <a:off x="1803637" y="7011321"/>
+            <a:ext cx="7040107" cy="1028552"/>
+          </a:xfrm>
+          <a:prstGeom prst="roundRect">
+            <a:avLst>
+              <a:gd name="adj" fmla="val 16930"/>
+            </a:avLst>
+          </a:prstGeom>
+          <a:solidFill>
+            <a:schemeClr val="accent1">
+              <a:lumOff val="13529"/>
+            </a:schemeClr>
+          </a:solidFill>
+          <a:ln w="12700">
+            <a:miter lim="400000"/>
+          </a:ln>
+          <a:extLst>
+            <a:ext uri="{C572A759-6A51-4108-AA02-DFA0A04FC94B}">
+              <ma14:wrappingTextBoxFlag xmlns:ma14="http://schemas.microsoft.com/office/mac/drawingml/2011/main" val="1"/>
+            </a:ext>
+          </a:extLst>
+        </p:spPr>
+        <p:txBody>
+          <a:bodyPr lIns="50800" tIns="50800" rIns="50800" bIns="50800" anchor="ctr"/>
+          <a:lstStyle/>
+          <a:p>
+            <a:pPr>
+              <a:defRPr b="0" sz="1000">
                 <a:latin typeface="+mn-lt"/>
                 <a:ea typeface="+mn-ea"/>
                 <a:cs typeface="+mn-cs"/>
@@ -4951,12 +4821,12 @@
               </a:defRPr>
             </a:pPr>
             <a:r>
-              <a:t>1、RPC 请求发起 所使用的类。</a:t>
-            </a:r>
-          </a:p>
-          <a:p>
-            <a:pPr algn="l">
-              <a:defRPr b="0" sz="1100">
+              <a:t>Module   模块：</a:t>
+            </a:r>
+          </a:p>
+          <a:p>
+            <a:pPr>
+              <a:defRPr b="0" sz="1000">
                 <a:latin typeface="+mn-lt"/>
                 <a:ea typeface="+mn-ea"/>
                 <a:cs typeface="+mn-cs"/>
@@ -4964,47 +4834,51 @@
               </a:defRPr>
             </a:pPr>
             <a:r>
-              <a:t>2、caller</a:t>
-            </a:r>
-          </a:p>
-          <a:p>
-            <a:pPr algn="l">
-              <a:defRPr b="0" sz="1100">
+              <a:t>主要负责业务模块功能的 启动安装停止卸载。扫描 功能模块的 服务，进行注册工作。</a:t>
+            </a:r>
+          </a:p>
+          <a:p>
+            <a:pPr>
+              <a:defRPr b="0" sz="1000">
                 <a:latin typeface="+mn-lt"/>
                 <a:ea typeface="+mn-ea"/>
                 <a:cs typeface="+mn-cs"/>
                 <a:sym typeface="Helvetica Neue Medium"/>
               </a:defRPr>
             </a:pPr>
-            <a:r>
-              <a:t>3、router 路由类。</a:t>
-            </a:r>
-          </a:p>
-          <a:p>
-            <a:pPr algn="l">
-              <a:defRPr b="0" sz="1100">
+          </a:p>
+          <a:p>
+            <a:pPr>
+              <a:defRPr b="0" sz="1000">
                 <a:latin typeface="+mn-lt"/>
                 <a:ea typeface="+mn-ea"/>
                 <a:cs typeface="+mn-cs"/>
                 <a:sym typeface="Helvetica Neue Medium"/>
               </a:defRPr>
             </a:pPr>
-            <a:r>
-              <a:t>4、localservice 服务。等等 很多。</a:t>
-            </a:r>
-          </a:p>
-        </p:txBody>
-      </p:sp>
-      <p:sp>
-        <p:nvSpPr>
-          <p:cNvPr id="148" name="线条"/>
+          </a:p>
+          <a:p>
+            <a:pPr>
+              <a:defRPr b="0" sz="1000">
+                <a:latin typeface="+mn-lt"/>
+                <a:ea typeface="+mn-ea"/>
+                <a:cs typeface="+mn-cs"/>
+                <a:sym typeface="Helvetica Neue Medium"/>
+              </a:defRPr>
+            </a:pPr>
+          </a:p>
+        </p:txBody>
+      </p:sp>
+      <p:sp>
+        <p:nvSpPr>
+          <p:cNvPr id="142" name="线条"/>
           <p:cNvSpPr/>
           <p:nvPr/>
         </p:nvSpPr>
         <p:spPr>
-          <a:xfrm flipH="1" flipV="1">
-            <a:off x="4063152" y="6724722"/>
-            <a:ext cx="415597" cy="415598"/>
+          <a:xfrm flipV="1">
+            <a:off x="7292190" y="2389270"/>
+            <a:ext cx="1" cy="619709"/>
           </a:xfrm>
           <a:prstGeom prst="line">
             <a:avLst/>
@@ -5034,13 +4908,13 @@
       </p:sp>
       <p:sp>
         <p:nvSpPr>
-          <p:cNvPr id="149" name="依赖"/>
+          <p:cNvPr id="143" name="依赖"/>
           <p:cNvSpPr txBox="1"/>
           <p:nvPr/>
         </p:nvSpPr>
         <p:spPr>
           <a:xfrm>
-            <a:off x="4053190" y="6771910"/>
+            <a:off x="7264661" y="2534024"/>
             <a:ext cx="444501" cy="330201"/>
           </a:xfrm>
           <a:prstGeom prst="rect">
@@ -5078,14 +4952,160 @@
       </p:sp>
       <p:sp>
         <p:nvSpPr>
-          <p:cNvPr id="150" name="线条"/>
+          <p:cNvPr id="144" name="CoreWeb  模块：…"/>
           <p:cNvSpPr/>
           <p:nvPr/>
         </p:nvSpPr>
         <p:spPr>
+          <a:xfrm>
+            <a:off x="3364463" y="8502525"/>
+            <a:ext cx="3845422" cy="870596"/>
+          </a:xfrm>
+          <a:prstGeom prst="roundRect">
+            <a:avLst>
+              <a:gd name="adj" fmla="val 20002"/>
+            </a:avLst>
+          </a:prstGeom>
+          <a:solidFill>
+            <a:schemeClr val="accent1">
+              <a:lumOff val="13529"/>
+            </a:schemeClr>
+          </a:solidFill>
+          <a:ln w="12700">
+            <a:miter lim="400000"/>
+          </a:ln>
+          <a:extLst>
+            <a:ext uri="{C572A759-6A51-4108-AA02-DFA0A04FC94B}">
+              <ma14:wrappingTextBoxFlag xmlns:ma14="http://schemas.microsoft.com/office/mac/drawingml/2011/main" val="1"/>
+            </a:ext>
+          </a:extLst>
+        </p:spPr>
+        <p:txBody>
+          <a:bodyPr lIns="25400" tIns="25400" rIns="25400" bIns="25400" anchor="ctr"/>
+          <a:lstStyle/>
+          <a:p>
+            <a:pPr>
+              <a:defRPr b="0" sz="1000">
+                <a:latin typeface="+mn-lt"/>
+                <a:ea typeface="+mn-ea"/>
+                <a:cs typeface="+mn-cs"/>
+                <a:sym typeface="Helvetica Neue Medium"/>
+              </a:defRPr>
+            </a:pPr>
+            <a:r>
+              <a:rPr sz="1200"/>
+              <a:t>CoreWeb</a:t>
+            </a:r>
+            <a:r>
+              <a:t>  模块：</a:t>
+            </a:r>
+          </a:p>
+          <a:p>
+            <a:pPr>
+              <a:defRPr b="0" sz="1200">
+                <a:latin typeface="+mn-lt"/>
+                <a:ea typeface="+mn-ea"/>
+                <a:cs typeface="+mn-cs"/>
+                <a:sym typeface="Helvetica Neue Medium"/>
+              </a:defRPr>
+            </a:pPr>
+            <a:r>
+              <a:t>主要负责业务模块功能的 controller 的扫描注册工作。</a:t>
+            </a:r>
+          </a:p>
+          <a:p>
+            <a:pPr algn="l">
+              <a:defRPr b="0" sz="1000">
+                <a:latin typeface="+mn-lt"/>
+                <a:ea typeface="+mn-ea"/>
+                <a:cs typeface="+mn-cs"/>
+                <a:sym typeface="Helvetica Neue Medium"/>
+              </a:defRPr>
+            </a:pPr>
+          </a:p>
+          <a:p>
+            <a:pPr>
+              <a:defRPr b="0" sz="1000">
+                <a:latin typeface="+mn-lt"/>
+                <a:ea typeface="+mn-ea"/>
+                <a:cs typeface="+mn-cs"/>
+                <a:sym typeface="Helvetica Neue Medium"/>
+              </a:defRPr>
+            </a:pPr>
+          </a:p>
+        </p:txBody>
+      </p:sp>
+      <p:sp>
+        <p:nvSpPr>
+          <p:cNvPr id="145" name="CoreLog  模块：…"/>
+          <p:cNvSpPr/>
+          <p:nvPr/>
+        </p:nvSpPr>
+        <p:spPr>
+          <a:xfrm>
+            <a:off x="9115896" y="1489323"/>
+            <a:ext cx="1331864" cy="7879408"/>
+          </a:xfrm>
+          <a:prstGeom prst="roundRect">
+            <a:avLst>
+              <a:gd name="adj" fmla="val 13074"/>
+            </a:avLst>
+          </a:prstGeom>
+          <a:solidFill>
+            <a:schemeClr val="accent1">
+              <a:lumOff val="13529"/>
+            </a:schemeClr>
+          </a:solidFill>
+          <a:ln w="12700">
+            <a:miter lim="400000"/>
+          </a:ln>
+          <a:extLst>
+            <a:ext uri="{C572A759-6A51-4108-AA02-DFA0A04FC94B}">
+              <ma14:wrappingTextBoxFlag xmlns:ma14="http://schemas.microsoft.com/office/mac/drawingml/2011/main" val="1"/>
+            </a:ext>
+          </a:extLst>
+        </p:spPr>
+        <p:txBody>
+          <a:bodyPr lIns="50800" tIns="50800" rIns="50800" bIns="50800" anchor="ctr"/>
+          <a:lstStyle/>
+          <a:p>
+            <a:pPr>
+              <a:defRPr b="0" sz="1200">
+                <a:latin typeface="+mn-lt"/>
+                <a:ea typeface="+mn-ea"/>
+                <a:cs typeface="+mn-cs"/>
+                <a:sym typeface="Helvetica Neue Medium"/>
+              </a:defRPr>
+            </a:pPr>
+            <a:r>
+              <a:t>CoreLog  模块：</a:t>
+            </a:r>
+          </a:p>
+          <a:p>
+            <a:pPr>
+              <a:defRPr b="0" sz="1200">
+                <a:latin typeface="+mn-lt"/>
+                <a:ea typeface="+mn-ea"/>
+                <a:cs typeface="+mn-cs"/>
+                <a:sym typeface="Helvetica Neue Medium"/>
+              </a:defRPr>
+            </a:pPr>
+            <a:r>
+              <a:t>日志模块比较特殊不依赖于任何模块</a:t>
+            </a:r>
+          </a:p>
+        </p:txBody>
+      </p:sp>
+      <p:sp>
+        <p:nvSpPr>
+          <p:cNvPr id="146" name="线条"/>
+          <p:cNvSpPr/>
+          <p:nvPr/>
+        </p:nvSpPr>
+        <p:spPr>
           <a:xfrm flipV="1">
-            <a:off x="5955452" y="4008262"/>
-            <a:ext cx="675490" cy="3123289"/>
+            <a:off x="3282157" y="2389270"/>
+            <a:ext cx="1" cy="619709"/>
           </a:xfrm>
           <a:prstGeom prst="line">
             <a:avLst/>
@@ -5115,13 +5135,13 @@
       </p:sp>
       <p:sp>
         <p:nvSpPr>
-          <p:cNvPr id="151" name="依赖"/>
+          <p:cNvPr id="147" name="依赖"/>
           <p:cNvSpPr txBox="1"/>
           <p:nvPr/>
         </p:nvSpPr>
         <p:spPr>
           <a:xfrm>
-            <a:off x="5927242" y="6617592"/>
+            <a:off x="3250407" y="2530561"/>
             <a:ext cx="444501" cy="330201"/>
           </a:xfrm>
           <a:prstGeom prst="rect">
@@ -5159,147 +5179,14 @@
       </p:sp>
       <p:sp>
         <p:nvSpPr>
-          <p:cNvPr id="152" name="Module   模块：…"/>
+          <p:cNvPr id="148" name="线条"/>
           <p:cNvSpPr/>
           <p:nvPr/>
         </p:nvSpPr>
         <p:spPr>
-          <a:xfrm>
-            <a:off x="8236149" y="5344080"/>
-            <a:ext cx="2814737" cy="2009578"/>
-          </a:xfrm>
-          <a:prstGeom prst="roundRect">
-            <a:avLst>
-              <a:gd name="adj" fmla="val 8665"/>
-            </a:avLst>
-          </a:prstGeom>
-          <a:solidFill>
-            <a:schemeClr val="accent1">
-              <a:lumOff val="13529"/>
-            </a:schemeClr>
-          </a:solidFill>
-          <a:ln w="12700">
-            <a:miter lim="400000"/>
-          </a:ln>
-          <a:extLst>
-            <a:ext uri="{C572A759-6A51-4108-AA02-DFA0A04FC94B}">
-              <ma14:wrappingTextBoxFlag xmlns:ma14="http://schemas.microsoft.com/office/mac/drawingml/2011/main" val="1"/>
-            </a:ext>
-          </a:extLst>
-        </p:spPr>
-        <p:txBody>
-          <a:bodyPr lIns="50800" tIns="50800" rIns="50800" bIns="50800"/>
-          <a:lstStyle/>
-          <a:p>
-            <a:pPr>
-              <a:defRPr b="0" sz="1000">
-                <a:latin typeface="+mn-lt"/>
-                <a:ea typeface="+mn-ea"/>
-                <a:cs typeface="+mn-cs"/>
-                <a:sym typeface="Helvetica Neue Medium"/>
-              </a:defRPr>
-            </a:pPr>
-            <a:r>
-              <a:t>Module   模块：</a:t>
-            </a:r>
-          </a:p>
-          <a:p>
-            <a:pPr>
-              <a:defRPr b="0" sz="1000">
-                <a:latin typeface="+mn-lt"/>
-                <a:ea typeface="+mn-ea"/>
-                <a:cs typeface="+mn-cs"/>
-                <a:sym typeface="Helvetica Neue Medium"/>
-              </a:defRPr>
-            </a:pPr>
-            <a:r>
-              <a:t>主要负责业务模块功能的 启动安装停止卸载。扫描 功能模块的 服务，进行注册工作。</a:t>
-            </a:r>
-          </a:p>
-          <a:p>
-            <a:pPr>
-              <a:defRPr b="0" sz="1000">
-                <a:latin typeface="+mn-lt"/>
-                <a:ea typeface="+mn-ea"/>
-                <a:cs typeface="+mn-cs"/>
-                <a:sym typeface="Helvetica Neue Medium"/>
-              </a:defRPr>
-            </a:pPr>
-          </a:p>
-          <a:p>
-            <a:pPr algn="l">
-              <a:defRPr b="0" sz="1000">
-                <a:latin typeface="+mn-lt"/>
-                <a:ea typeface="+mn-ea"/>
-                <a:cs typeface="+mn-cs"/>
-                <a:sym typeface="Helvetica Neue Medium"/>
-              </a:defRPr>
-            </a:pPr>
-            <a:r>
-              <a:t>关键类 有 ：</a:t>
-            </a:r>
-          </a:p>
-          <a:p>
-            <a:pPr algn="l">
-              <a:defRPr b="0" sz="1000">
-                <a:latin typeface="+mn-lt"/>
-                <a:ea typeface="+mn-ea"/>
-                <a:cs typeface="+mn-cs"/>
-                <a:sym typeface="Helvetica Neue Medium"/>
-              </a:defRPr>
-            </a:pPr>
-            <a:r>
-              <a:t>1、module 任何业务模块，都需要声明子类，继承自当前类，实现 扫描注册等一系列工作。。</a:t>
-            </a:r>
-          </a:p>
-          <a:p>
-            <a:pPr algn="l">
-              <a:defRPr b="0" sz="1000">
-                <a:latin typeface="+mn-lt"/>
-                <a:ea typeface="+mn-ea"/>
-                <a:cs typeface="+mn-cs"/>
-                <a:sym typeface="Helvetica Neue Medium"/>
-              </a:defRPr>
-            </a:pPr>
-            <a:r>
-              <a:t>2、scanner 扫描类</a:t>
-            </a:r>
-          </a:p>
-          <a:p>
-            <a:pPr algn="l">
-              <a:defRPr b="0" sz="1000">
-                <a:latin typeface="+mn-lt"/>
-                <a:ea typeface="+mn-ea"/>
-                <a:cs typeface="+mn-cs"/>
-                <a:sym typeface="Helvetica Neue Medium"/>
-              </a:defRPr>
-            </a:pPr>
-            <a:r>
-              <a:t>3、很多。。。。。</a:t>
-            </a:r>
-          </a:p>
-          <a:p>
-            <a:pPr>
-              <a:defRPr b="0" sz="1000">
-                <a:latin typeface="+mn-lt"/>
-                <a:ea typeface="+mn-ea"/>
-                <a:cs typeface="+mn-cs"/>
-                <a:sym typeface="Helvetica Neue Medium"/>
-              </a:defRPr>
-            </a:pPr>
-          </a:p>
-        </p:txBody>
-      </p:sp>
-      <p:sp>
-        <p:nvSpPr>
-          <p:cNvPr id="153" name="线条"/>
-          <p:cNvSpPr/>
-          <p:nvPr/>
-        </p:nvSpPr>
-        <p:spPr>
-          <a:xfrm flipH="1" flipV="1">
-            <a:off x="4731192" y="5567746"/>
-            <a:ext cx="3540847" cy="409298"/>
+          <a:xfrm flipH="1">
+            <a:off x="4722991" y="4037428"/>
+            <a:ext cx="1128367" cy="1"/>
           </a:xfrm>
           <a:prstGeom prst="line">
             <a:avLst/>
@@ -5329,13 +5216,50 @@
       </p:sp>
       <p:sp>
         <p:nvSpPr>
-          <p:cNvPr id="154" name="依赖"/>
+          <p:cNvPr id="149" name="线条"/>
+          <p:cNvSpPr/>
+          <p:nvPr/>
+        </p:nvSpPr>
+        <p:spPr>
+          <a:xfrm flipV="1">
+            <a:off x="6530191" y="5011719"/>
+            <a:ext cx="1" cy="461060"/>
+          </a:xfrm>
+          <a:prstGeom prst="line">
+            <a:avLst/>
+          </a:prstGeom>
+          <a:ln w="25400">
+            <a:solidFill>
+              <a:srgbClr val="FFFFFF"/>
+            </a:solidFill>
+            <a:miter lim="400000"/>
+            <a:tailEnd type="triangle"/>
+          </a:ln>
+        </p:spPr>
+        <p:txBody>
+          <a:bodyPr lIns="50800" tIns="50800" rIns="50800" bIns="50800" anchor="ctr"/>
+          <a:lstStyle/>
+          <a:p>
+            <a:pPr>
+              <a:defRPr b="0" sz="2200">
+                <a:latin typeface="+mn-lt"/>
+                <a:ea typeface="+mn-ea"/>
+                <a:cs typeface="+mn-cs"/>
+                <a:sym typeface="Helvetica Neue Medium"/>
+              </a:defRPr>
+            </a:pPr>
+          </a:p>
+        </p:txBody>
+      </p:sp>
+      <p:sp>
+        <p:nvSpPr>
+          <p:cNvPr id="150" name="依赖"/>
           <p:cNvSpPr txBox="1"/>
           <p:nvPr/>
         </p:nvSpPr>
         <p:spPr>
           <a:xfrm>
-            <a:off x="6745499" y="5590882"/>
+            <a:off x="6489961" y="5077149"/>
             <a:ext cx="444501" cy="330201"/>
           </a:xfrm>
           <a:prstGeom prst="rect">
@@ -5373,14 +5297,14 @@
       </p:sp>
       <p:sp>
         <p:nvSpPr>
-          <p:cNvPr id="155" name="线条"/>
+          <p:cNvPr id="151" name="线条"/>
           <p:cNvSpPr/>
           <p:nvPr/>
         </p:nvSpPr>
         <p:spPr>
-          <a:xfrm flipH="1" flipV="1">
-            <a:off x="8026544" y="4093680"/>
-            <a:ext cx="712972" cy="1313503"/>
+          <a:xfrm flipV="1">
+            <a:off x="3904256" y="4998752"/>
+            <a:ext cx="1" cy="461059"/>
           </a:xfrm>
           <a:prstGeom prst="line">
             <a:avLst/>
@@ -5410,13 +5334,13 @@
       </p:sp>
       <p:sp>
         <p:nvSpPr>
-          <p:cNvPr id="156" name="依赖"/>
+          <p:cNvPr id="152" name="依赖"/>
           <p:cNvSpPr txBox="1"/>
           <p:nvPr/>
         </p:nvSpPr>
         <p:spPr>
           <a:xfrm>
-            <a:off x="8166361" y="4500011"/>
+            <a:off x="3864026" y="5064181"/>
             <a:ext cx="444501" cy="330201"/>
           </a:xfrm>
           <a:prstGeom prst="rect">
@@ -5454,14 +5378,14 @@
       </p:sp>
       <p:sp>
         <p:nvSpPr>
-          <p:cNvPr id="157" name="线条"/>
+          <p:cNvPr id="153" name="线条"/>
           <p:cNvSpPr/>
           <p:nvPr/>
         </p:nvSpPr>
         <p:spPr>
-          <a:xfrm flipH="1">
-            <a:off x="6740312" y="7346322"/>
-            <a:ext cx="1484758" cy="1"/>
+          <a:xfrm flipV="1">
+            <a:off x="5308656" y="6532664"/>
+            <a:ext cx="1" cy="461060"/>
           </a:xfrm>
           <a:prstGeom prst="line">
             <a:avLst/>
@@ -5491,214 +5415,13 @@
       </p:sp>
       <p:sp>
         <p:nvSpPr>
-          <p:cNvPr id="158" name="依赖"/>
+          <p:cNvPr id="154" name="依赖"/>
           <p:cNvSpPr txBox="1"/>
           <p:nvPr/>
         </p:nvSpPr>
         <p:spPr>
           <a:xfrm>
-            <a:off x="7209640" y="7143122"/>
-            <a:ext cx="546101" cy="406401"/>
-          </a:xfrm>
-          <a:prstGeom prst="rect">
-            <a:avLst/>
-          </a:prstGeom>
-          <a:ln w="12700">
-            <a:miter lim="400000"/>
-          </a:ln>
-          <a:extLst>
-            <a:ext uri="{C572A759-6A51-4108-AA02-DFA0A04FC94B}">
-              <ma14:wrappingTextBoxFlag xmlns:ma14="http://schemas.microsoft.com/office/mac/drawingml/2011/main" val="1"/>
-            </a:ext>
-          </a:extLst>
-        </p:spPr>
-        <p:txBody>
-          <a:bodyPr wrap="none" lIns="50800" tIns="50800" rIns="50800" bIns="50800" anchor="ctr">
-            <a:spAutoFit/>
-          </a:bodyPr>
-          <a:lstStyle>
-            <a:lvl1pPr defTabSz="419100">
-              <a:defRPr sz="1700">
-                <a:solidFill>
-                  <a:srgbClr val="C82506"/>
-                </a:solidFill>
-              </a:defRPr>
-            </a:lvl1pPr>
-          </a:lstStyle>
-          <a:p>
-            <a:pPr/>
-            <a:r>
-              <a:t>依赖</a:t>
-            </a:r>
-          </a:p>
-        </p:txBody>
-      </p:sp>
-      <p:sp>
-        <p:nvSpPr>
-          <p:cNvPr id="159" name="CoreWeb  模块：…"/>
-          <p:cNvSpPr/>
-          <p:nvPr/>
-        </p:nvSpPr>
-        <p:spPr>
-          <a:xfrm>
-            <a:off x="8604449" y="7867525"/>
-            <a:ext cx="2814737" cy="1810233"/>
-          </a:xfrm>
-          <a:prstGeom prst="roundRect">
-            <a:avLst>
-              <a:gd name="adj" fmla="val 9619"/>
-            </a:avLst>
-          </a:prstGeom>
-          <a:solidFill>
-            <a:schemeClr val="accent1">
-              <a:lumOff val="13529"/>
-            </a:schemeClr>
-          </a:solidFill>
-          <a:ln w="12700">
-            <a:miter lim="400000"/>
-          </a:ln>
-          <a:extLst>
-            <a:ext uri="{C572A759-6A51-4108-AA02-DFA0A04FC94B}">
-              <ma14:wrappingTextBoxFlag xmlns:ma14="http://schemas.microsoft.com/office/mac/drawingml/2011/main" val="1"/>
-            </a:ext>
-          </a:extLst>
-        </p:spPr>
-        <p:txBody>
-          <a:bodyPr lIns="25400" tIns="25400" rIns="25400" bIns="25400"/>
-          <a:lstStyle/>
-          <a:p>
-            <a:pPr>
-              <a:defRPr b="0" sz="1000">
-                <a:latin typeface="+mn-lt"/>
-                <a:ea typeface="+mn-ea"/>
-                <a:cs typeface="+mn-cs"/>
-                <a:sym typeface="Helvetica Neue Medium"/>
-              </a:defRPr>
-            </a:pPr>
-            <a:r>
-              <a:t>CoreWeb  模块：</a:t>
-            </a:r>
-          </a:p>
-          <a:p>
-            <a:pPr>
-              <a:defRPr b="0" sz="1000">
-                <a:latin typeface="+mn-lt"/>
-                <a:ea typeface="+mn-ea"/>
-                <a:cs typeface="+mn-cs"/>
-                <a:sym typeface="Helvetica Neue Medium"/>
-              </a:defRPr>
-            </a:pPr>
-            <a:r>
-              <a:t>主要负责业务模块功能的 controller 的扫描注册工作。</a:t>
-            </a:r>
-          </a:p>
-          <a:p>
-            <a:pPr>
-              <a:defRPr b="0" sz="1000">
-                <a:latin typeface="+mn-lt"/>
-                <a:ea typeface="+mn-ea"/>
-                <a:cs typeface="+mn-cs"/>
-                <a:sym typeface="Helvetica Neue Medium"/>
-              </a:defRPr>
-            </a:pPr>
-          </a:p>
-          <a:p>
-            <a:pPr algn="l">
-              <a:defRPr b="0" sz="1000">
-                <a:latin typeface="+mn-lt"/>
-                <a:ea typeface="+mn-ea"/>
-                <a:cs typeface="+mn-cs"/>
-                <a:sym typeface="Helvetica Neue Medium"/>
-              </a:defRPr>
-            </a:pPr>
-            <a:r>
-              <a:t>关键类 有 ：</a:t>
-            </a:r>
-          </a:p>
-          <a:p>
-            <a:pPr algn="l">
-              <a:defRPr b="0" sz="1000">
-                <a:latin typeface="+mn-lt"/>
-                <a:ea typeface="+mn-ea"/>
-                <a:cs typeface="+mn-cs"/>
-                <a:sym typeface="Helvetica Neue Medium"/>
-              </a:defRPr>
-            </a:pPr>
-            <a:r>
-              <a:t>1、ScannerControllerImpl 扫描controller 的类。</a:t>
-            </a:r>
-          </a:p>
-          <a:p>
-            <a:pPr algn="l">
-              <a:defRPr b="0" sz="1000">
-                <a:latin typeface="+mn-lt"/>
-                <a:ea typeface="+mn-ea"/>
-                <a:cs typeface="+mn-cs"/>
-                <a:sym typeface="Helvetica Neue Medium"/>
-              </a:defRPr>
-            </a:pPr>
-            <a:r>
-              <a:t>2、InterceptorManager  controller 实体方法管理类。</a:t>
-            </a:r>
-          </a:p>
-          <a:p>
-            <a:pPr>
-              <a:defRPr b="0" sz="1000">
-                <a:latin typeface="+mn-lt"/>
-                <a:ea typeface="+mn-ea"/>
-                <a:cs typeface="+mn-cs"/>
-                <a:sym typeface="Helvetica Neue Medium"/>
-              </a:defRPr>
-            </a:pPr>
-          </a:p>
-        </p:txBody>
-      </p:sp>
-      <p:sp>
-        <p:nvSpPr>
-          <p:cNvPr id="160" name="线条"/>
-          <p:cNvSpPr/>
-          <p:nvPr/>
-        </p:nvSpPr>
-        <p:spPr>
-          <a:xfrm flipH="1" flipV="1">
-            <a:off x="9431228" y="7398303"/>
-            <a:ext cx="415598" cy="415597"/>
-          </a:xfrm>
-          <a:prstGeom prst="line">
-            <a:avLst/>
-          </a:prstGeom>
-          <a:ln w="25400">
-            <a:solidFill>
-              <a:srgbClr val="FFFFFF"/>
-            </a:solidFill>
-            <a:miter lim="400000"/>
-            <a:tailEnd type="triangle"/>
-          </a:ln>
-        </p:spPr>
-        <p:txBody>
-          <a:bodyPr lIns="50800" tIns="50800" rIns="50800" bIns="50800" anchor="ctr"/>
-          <a:lstStyle/>
-          <a:p>
-            <a:pPr>
-              <a:defRPr b="0" sz="2200">
-                <a:latin typeface="+mn-lt"/>
-                <a:ea typeface="+mn-ea"/>
-                <a:cs typeface="+mn-cs"/>
-                <a:sym typeface="Helvetica Neue Medium"/>
-              </a:defRPr>
-            </a:pPr>
-          </a:p>
-        </p:txBody>
-      </p:sp>
-      <p:sp>
-        <p:nvSpPr>
-          <p:cNvPr id="161" name="依赖"/>
-          <p:cNvSpPr txBox="1"/>
-          <p:nvPr/>
-        </p:nvSpPr>
-        <p:spPr>
-          <a:xfrm>
-            <a:off x="9421267" y="7445491"/>
+            <a:off x="5258061" y="6595058"/>
             <a:ext cx="444501" cy="330201"/>
           </a:xfrm>
           <a:prstGeom prst="rect">
@@ -5736,25 +5459,55 @@
       </p:sp>
       <p:sp>
         <p:nvSpPr>
-          <p:cNvPr id="162" name="CoreLog  模块：…"/>
+          <p:cNvPr id="155" name="线条"/>
           <p:cNvSpPr/>
           <p:nvPr/>
         </p:nvSpPr>
         <p:spPr>
+          <a:xfrm flipV="1">
+            <a:off x="7558891" y="5001787"/>
+            <a:ext cx="1" cy="1985866"/>
+          </a:xfrm>
+          <a:prstGeom prst="line">
+            <a:avLst/>
+          </a:prstGeom>
+          <a:ln w="25400">
+            <a:solidFill>
+              <a:srgbClr val="FFFFFF"/>
+            </a:solidFill>
+            <a:miter lim="400000"/>
+            <a:tailEnd type="triangle"/>
+          </a:ln>
+        </p:spPr>
+        <p:txBody>
+          <a:bodyPr lIns="50800" tIns="50800" rIns="50800" bIns="50800" anchor="ctr"/>
+          <a:lstStyle/>
+          <a:p>
+            <a:pPr>
+              <a:defRPr b="0" sz="2200">
+                <a:latin typeface="+mn-lt"/>
+                <a:ea typeface="+mn-ea"/>
+                <a:cs typeface="+mn-cs"/>
+                <a:sym typeface="Helvetica Neue Medium"/>
+              </a:defRPr>
+            </a:pPr>
+          </a:p>
+        </p:txBody>
+      </p:sp>
+      <p:sp>
+        <p:nvSpPr>
+          <p:cNvPr id="156" name="依赖"/>
+          <p:cNvSpPr txBox="1"/>
+          <p:nvPr/>
+        </p:nvSpPr>
+        <p:spPr>
           <a:xfrm>
-            <a:off x="9142628" y="1852579"/>
-            <a:ext cx="2814738" cy="2009577"/>
-          </a:xfrm>
-          <a:prstGeom prst="roundRect">
-            <a:avLst>
-              <a:gd name="adj" fmla="val 8665"/>
-            </a:avLst>
-          </a:prstGeom>
-          <a:solidFill>
-            <a:schemeClr val="accent1">
-              <a:lumOff val="13529"/>
-            </a:schemeClr>
-          </a:solidFill>
+            <a:off x="7518661" y="5861424"/>
+            <a:ext cx="444501" cy="330201"/>
+          </a:xfrm>
+          <a:prstGeom prst="rect">
+            <a:avLst/>
+          </a:prstGeom>
           <a:ln w="12700">
             <a:miter lim="400000"/>
           </a:ln>
@@ -5765,32 +5518,184 @@
           </a:extLst>
         </p:spPr>
         <p:txBody>
+          <a:bodyPr wrap="none" lIns="50800" tIns="50800" rIns="50800" bIns="50800" anchor="ctr">
+            <a:spAutoFit/>
+          </a:bodyPr>
+          <a:lstStyle>
+            <a:lvl1pPr defTabSz="419100">
+              <a:defRPr sz="1300">
+                <a:solidFill>
+                  <a:srgbClr val="C82506"/>
+                </a:solidFill>
+              </a:defRPr>
+            </a:lvl1pPr>
+          </a:lstStyle>
+          <a:p>
+            <a:pPr/>
+            <a:r>
+              <a:t>依赖</a:t>
+            </a:r>
+          </a:p>
+        </p:txBody>
+      </p:sp>
+      <p:sp>
+        <p:nvSpPr>
+          <p:cNvPr id="157" name="线条"/>
+          <p:cNvSpPr/>
+          <p:nvPr/>
+        </p:nvSpPr>
+        <p:spPr>
+          <a:xfrm flipV="1">
+            <a:off x="2421401" y="5001787"/>
+            <a:ext cx="1" cy="1985866"/>
+          </a:xfrm>
+          <a:prstGeom prst="line">
+            <a:avLst/>
+          </a:prstGeom>
+          <a:ln w="25400">
+            <a:solidFill>
+              <a:srgbClr val="FFFFFF"/>
+            </a:solidFill>
+            <a:miter lim="400000"/>
+            <a:tailEnd type="triangle"/>
+          </a:ln>
+        </p:spPr>
+        <p:txBody>
           <a:bodyPr lIns="50800" tIns="50800" rIns="50800" bIns="50800" anchor="ctr"/>
           <a:lstStyle/>
           <a:p>
             <a:pPr>
-              <a:defRPr b="0" sz="1200">
+              <a:defRPr b="0" sz="2200">
                 <a:latin typeface="+mn-lt"/>
                 <a:ea typeface="+mn-ea"/>
                 <a:cs typeface="+mn-cs"/>
                 <a:sym typeface="Helvetica Neue Medium"/>
               </a:defRPr>
             </a:pPr>
-            <a:r>
-              <a:t>CoreLog  模块：</a:t>
-            </a:r>
-          </a:p>
+          </a:p>
+        </p:txBody>
+      </p:sp>
+      <p:sp>
+        <p:nvSpPr>
+          <p:cNvPr id="158" name="依赖"/>
+          <p:cNvSpPr txBox="1"/>
+          <p:nvPr/>
+        </p:nvSpPr>
+        <p:spPr>
+          <a:xfrm>
+            <a:off x="2381171" y="5861424"/>
+            <a:ext cx="444501" cy="330201"/>
+          </a:xfrm>
+          <a:prstGeom prst="rect">
+            <a:avLst/>
+          </a:prstGeom>
+          <a:ln w="12700">
+            <a:miter lim="400000"/>
+          </a:ln>
+          <a:extLst>
+            <a:ext uri="{C572A759-6A51-4108-AA02-DFA0A04FC94B}">
+              <ma14:wrappingTextBoxFlag xmlns:ma14="http://schemas.microsoft.com/office/mac/drawingml/2011/main" val="1"/>
+            </a:ext>
+          </a:extLst>
+        </p:spPr>
+        <p:txBody>
+          <a:bodyPr wrap="none" lIns="50800" tIns="50800" rIns="50800" bIns="50800" anchor="ctr">
+            <a:spAutoFit/>
+          </a:bodyPr>
+          <a:lstStyle>
+            <a:lvl1pPr defTabSz="419100">
+              <a:defRPr sz="1300">
+                <a:solidFill>
+                  <a:srgbClr val="C82506"/>
+                </a:solidFill>
+              </a:defRPr>
+            </a:lvl1pPr>
+          </a:lstStyle>
+          <a:p>
+            <a:pPr/>
+            <a:r>
+              <a:t>依赖</a:t>
+            </a:r>
+          </a:p>
+        </p:txBody>
+      </p:sp>
+      <p:sp>
+        <p:nvSpPr>
+          <p:cNvPr id="159" name="线条"/>
+          <p:cNvSpPr/>
+          <p:nvPr/>
+        </p:nvSpPr>
+        <p:spPr>
+          <a:xfrm flipV="1">
+            <a:off x="5308656" y="8034320"/>
+            <a:ext cx="1" cy="461059"/>
+          </a:xfrm>
+          <a:prstGeom prst="line">
+            <a:avLst/>
+          </a:prstGeom>
+          <a:ln w="25400">
+            <a:solidFill>
+              <a:srgbClr val="FFFFFF"/>
+            </a:solidFill>
+            <a:miter lim="400000"/>
+            <a:tailEnd type="triangle"/>
+          </a:ln>
+        </p:spPr>
+        <p:txBody>
+          <a:bodyPr lIns="50800" tIns="50800" rIns="50800" bIns="50800" anchor="ctr"/>
+          <a:lstStyle/>
           <a:p>
             <a:pPr>
-              <a:defRPr b="0" sz="1200">
+              <a:defRPr b="0" sz="2200">
                 <a:latin typeface="+mn-lt"/>
                 <a:ea typeface="+mn-ea"/>
                 <a:cs typeface="+mn-cs"/>
                 <a:sym typeface="Helvetica Neue Medium"/>
               </a:defRPr>
             </a:pPr>
-            <a:r>
-              <a:t>日志模块比较特殊不依赖于任何模块</a:t>
+          </a:p>
+        </p:txBody>
+      </p:sp>
+      <p:sp>
+        <p:nvSpPr>
+          <p:cNvPr id="160" name="依赖"/>
+          <p:cNvSpPr txBox="1"/>
+          <p:nvPr/>
+        </p:nvSpPr>
+        <p:spPr>
+          <a:xfrm>
+            <a:off x="5268426" y="8099749"/>
+            <a:ext cx="444501" cy="330201"/>
+          </a:xfrm>
+          <a:prstGeom prst="rect">
+            <a:avLst/>
+          </a:prstGeom>
+          <a:ln w="12700">
+            <a:miter lim="400000"/>
+          </a:ln>
+          <a:extLst>
+            <a:ext uri="{C572A759-6A51-4108-AA02-DFA0A04FC94B}">
+              <ma14:wrappingTextBoxFlag xmlns:ma14="http://schemas.microsoft.com/office/mac/drawingml/2011/main" val="1"/>
+            </a:ext>
+          </a:extLst>
+        </p:spPr>
+        <p:txBody>
+          <a:bodyPr wrap="none" lIns="50800" tIns="50800" rIns="50800" bIns="50800" anchor="ctr">
+            <a:spAutoFit/>
+          </a:bodyPr>
+          <a:lstStyle>
+            <a:lvl1pPr defTabSz="419100">
+              <a:defRPr sz="1300">
+                <a:solidFill>
+                  <a:srgbClr val="C82506"/>
+                </a:solidFill>
+              </a:defRPr>
+            </a:lvl1pPr>
+          </a:lstStyle>
+          <a:p>
+            <a:pPr/>
+            <a:r>
+              <a:t>依赖</a:t>
             </a:r>
           </a:p>
         </p:txBody>
@@ -5823,50 +5728,14 @@
       </p:grpSpPr>
       <p:sp>
         <p:nvSpPr>
-          <p:cNvPr id="164" name="核心模块  图例说明"/>
-          <p:cNvSpPr txBox="1"/>
-          <p:nvPr/>
-        </p:nvSpPr>
-        <p:spPr>
-          <a:xfrm>
-            <a:off x="1292026" y="97928"/>
-            <a:ext cx="8813404" cy="520701"/>
-          </a:xfrm>
-          <a:prstGeom prst="rect">
-            <a:avLst/>
-          </a:prstGeom>
-          <a:ln w="12700">
-            <a:miter lim="400000"/>
-          </a:ln>
-          <a:extLst>
-            <a:ext uri="{C572A759-6A51-4108-AA02-DFA0A04FC94B}">
-              <ma14:wrappingTextBoxFlag xmlns:ma14="http://schemas.microsoft.com/office/mac/drawingml/2011/main" val="1"/>
-            </a:ext>
-          </a:extLst>
-        </p:spPr>
-        <p:txBody>
-          <a:bodyPr lIns="50800" tIns="50800" rIns="50800" bIns="50800" anchor="ctr">
-            <a:spAutoFit/>
-          </a:bodyPr>
-          <a:lstStyle/>
-          <a:p>
-            <a:pPr/>
-            <a:r>
-              <a:t>核心模块  图例说明</a:t>
-            </a:r>
-          </a:p>
-        </p:txBody>
-      </p:sp>
-      <p:sp>
-        <p:nvSpPr>
-          <p:cNvPr id="165" name="Platform 模块：…"/>
+          <p:cNvPr id="162" name="Platform 模块：…"/>
           <p:cNvSpPr/>
           <p:nvPr/>
         </p:nvSpPr>
         <p:spPr>
           <a:xfrm>
-            <a:off x="1165125" y="2640888"/>
-            <a:ext cx="2814738" cy="2009577"/>
+            <a:off x="2232045" y="2717088"/>
+            <a:ext cx="2814737" cy="2009577"/>
           </a:xfrm>
           <a:prstGeom prst="roundRect">
             <a:avLst>
@@ -5956,49 +5825,13 @@
       </p:sp>
       <p:sp>
         <p:nvSpPr>
-          <p:cNvPr id="166" name="所有的项目之间的依赖，都可以通过 项目的 pom.xml 进行查看。"/>
-          <p:cNvSpPr txBox="1"/>
-          <p:nvPr/>
-        </p:nvSpPr>
-        <p:spPr>
-          <a:xfrm>
-            <a:off x="1230969" y="654050"/>
-            <a:ext cx="8935518" cy="520701"/>
-          </a:xfrm>
-          <a:prstGeom prst="rect">
-            <a:avLst/>
-          </a:prstGeom>
-          <a:ln w="12700">
-            <a:miter lim="400000"/>
-          </a:ln>
-          <a:extLst>
-            <a:ext uri="{C572A759-6A51-4108-AA02-DFA0A04FC94B}">
-              <ma14:wrappingTextBoxFlag xmlns:ma14="http://schemas.microsoft.com/office/mac/drawingml/2011/main" val="1"/>
-            </a:ext>
-          </a:extLst>
-        </p:spPr>
-        <p:txBody>
-          <a:bodyPr wrap="none" lIns="50800" tIns="50800" rIns="50800" bIns="50800" anchor="ctr">
-            <a:spAutoFit/>
-          </a:bodyPr>
-          <a:lstStyle/>
-          <a:p>
-            <a:pPr/>
-            <a:r>
-              <a:t>所有的项目之间的依赖，都可以通过 项目的 pom.xml 进行查看。</a:t>
-            </a:r>
-          </a:p>
-        </p:txBody>
-      </p:sp>
-      <p:sp>
-        <p:nvSpPr>
-          <p:cNvPr id="167" name="线条"/>
+          <p:cNvPr id="163" name="线条"/>
           <p:cNvSpPr/>
           <p:nvPr/>
         </p:nvSpPr>
         <p:spPr>
           <a:xfrm flipV="1">
-            <a:off x="1437440" y="1630048"/>
+            <a:off x="2504360" y="1706248"/>
             <a:ext cx="1" cy="1018711"/>
           </a:xfrm>
           <a:prstGeom prst="line">
@@ -6029,13 +5862,13 @@
       </p:sp>
       <p:sp>
         <p:nvSpPr>
-          <p:cNvPr id="168" name="依赖"/>
+          <p:cNvPr id="164" name="依赖"/>
           <p:cNvSpPr txBox="1"/>
           <p:nvPr/>
         </p:nvSpPr>
         <p:spPr>
           <a:xfrm>
-            <a:off x="1171259" y="1910803"/>
+            <a:off x="2238178" y="1987003"/>
             <a:ext cx="622301" cy="457201"/>
           </a:xfrm>
           <a:prstGeom prst="rect">
@@ -6073,13 +5906,13 @@
       </p:sp>
       <p:sp>
         <p:nvSpPr>
-          <p:cNvPr id="169" name="线条"/>
+          <p:cNvPr id="165" name="线条"/>
           <p:cNvSpPr/>
           <p:nvPr/>
         </p:nvSpPr>
         <p:spPr>
           <a:xfrm flipV="1">
-            <a:off x="2148640" y="1630048"/>
+            <a:off x="3215560" y="1706248"/>
             <a:ext cx="1" cy="1018711"/>
           </a:xfrm>
           <a:prstGeom prst="line">
@@ -6110,13 +5943,13 @@
       </p:sp>
       <p:sp>
         <p:nvSpPr>
-          <p:cNvPr id="170" name="依赖"/>
+          <p:cNvPr id="166" name="依赖"/>
           <p:cNvSpPr txBox="1"/>
           <p:nvPr/>
         </p:nvSpPr>
         <p:spPr>
           <a:xfrm>
-            <a:off x="1882459" y="1910803"/>
+            <a:off x="2949378" y="1987003"/>
             <a:ext cx="622301" cy="457201"/>
           </a:xfrm>
           <a:prstGeom prst="rect">
@@ -6154,13 +5987,13 @@
       </p:sp>
       <p:sp>
         <p:nvSpPr>
-          <p:cNvPr id="171" name="线条"/>
+          <p:cNvPr id="167" name="线条"/>
           <p:cNvSpPr/>
           <p:nvPr/>
         </p:nvSpPr>
         <p:spPr>
           <a:xfrm flipV="1">
-            <a:off x="2769903" y="1630048"/>
+            <a:off x="3836822" y="1706248"/>
             <a:ext cx="1" cy="1018711"/>
           </a:xfrm>
           <a:prstGeom prst="line">
@@ -6191,13 +6024,13 @@
       </p:sp>
       <p:sp>
         <p:nvSpPr>
-          <p:cNvPr id="172" name="依赖"/>
+          <p:cNvPr id="168" name="依赖"/>
           <p:cNvSpPr txBox="1"/>
           <p:nvPr/>
         </p:nvSpPr>
         <p:spPr>
           <a:xfrm>
-            <a:off x="2503722" y="1910803"/>
+            <a:off x="3570641" y="1987003"/>
             <a:ext cx="622301" cy="457201"/>
           </a:xfrm>
           <a:prstGeom prst="rect">
@@ -6235,13 +6068,13 @@
       </p:sp>
       <p:sp>
         <p:nvSpPr>
-          <p:cNvPr id="173" name="线条"/>
+          <p:cNvPr id="169" name="线条"/>
           <p:cNvSpPr/>
           <p:nvPr/>
         </p:nvSpPr>
         <p:spPr>
           <a:xfrm flipV="1">
-            <a:off x="3431340" y="1630048"/>
+            <a:off x="4498260" y="1706248"/>
             <a:ext cx="1" cy="1018711"/>
           </a:xfrm>
           <a:prstGeom prst="line">
@@ -6272,13 +6105,13 @@
       </p:sp>
       <p:sp>
         <p:nvSpPr>
-          <p:cNvPr id="174" name="依赖"/>
+          <p:cNvPr id="170" name="依赖"/>
           <p:cNvSpPr txBox="1"/>
           <p:nvPr/>
         </p:nvSpPr>
         <p:spPr>
           <a:xfrm>
-            <a:off x="3152459" y="1910803"/>
+            <a:off x="4219378" y="1987003"/>
             <a:ext cx="622301" cy="457201"/>
           </a:xfrm>
           <a:prstGeom prst="rect">
@@ -6316,13 +6149,13 @@
       </p:sp>
       <p:sp>
         <p:nvSpPr>
-          <p:cNvPr id="175" name="Mongo…"/>
+          <p:cNvPr id="171" name="Mongo…"/>
           <p:cNvSpPr txBox="1"/>
           <p:nvPr/>
         </p:nvSpPr>
         <p:spPr>
           <a:xfrm>
-            <a:off x="1126290" y="1247718"/>
+            <a:off x="2193210" y="1323918"/>
             <a:ext cx="622301" cy="352654"/>
           </a:xfrm>
           <a:prstGeom prst="rect">
@@ -6362,13 +6195,13 @@
       </p:sp>
       <p:sp>
         <p:nvSpPr>
-          <p:cNvPr id="176" name="Network"/>
+          <p:cNvPr id="172" name="Network"/>
           <p:cNvSpPr txBox="1"/>
           <p:nvPr/>
         </p:nvSpPr>
         <p:spPr>
           <a:xfrm>
-            <a:off x="1837490" y="1298886"/>
+            <a:off x="2904410" y="1375086"/>
             <a:ext cx="622301" cy="250318"/>
           </a:xfrm>
           <a:prstGeom prst="rect">
@@ -6402,13 +6235,13 @@
       </p:sp>
       <p:sp>
         <p:nvSpPr>
-          <p:cNvPr id="177" name="RPC"/>
+          <p:cNvPr id="173" name="RPC"/>
           <p:cNvSpPr txBox="1"/>
           <p:nvPr/>
         </p:nvSpPr>
         <p:spPr>
           <a:xfrm>
-            <a:off x="2458753" y="1292721"/>
+            <a:off x="3525672" y="1368921"/>
             <a:ext cx="622301" cy="262648"/>
           </a:xfrm>
           <a:prstGeom prst="rect">
@@ -6442,14 +6275,14 @@
       </p:sp>
       <p:sp>
         <p:nvSpPr>
-          <p:cNvPr id="178" name="coreWeb"/>
+          <p:cNvPr id="174" name="coreWeb"/>
           <p:cNvSpPr txBox="1"/>
           <p:nvPr/>
         </p:nvSpPr>
         <p:spPr>
           <a:xfrm>
-            <a:off x="5296420" y="1292721"/>
-            <a:ext cx="804616" cy="262648"/>
+            <a:off x="6363340" y="1368921"/>
+            <a:ext cx="804615" cy="262648"/>
           </a:xfrm>
           <a:prstGeom prst="rect">
             <a:avLst/>
@@ -6482,14 +6315,14 @@
       </p:sp>
       <p:sp>
         <p:nvSpPr>
-          <p:cNvPr id="179" name="Web4osgi 模块：…"/>
+          <p:cNvPr id="175" name="Web4osgi 模块：…"/>
           <p:cNvSpPr/>
           <p:nvPr/>
         </p:nvSpPr>
         <p:spPr>
           <a:xfrm>
-            <a:off x="4949725" y="2640888"/>
-            <a:ext cx="2814738" cy="2009577"/>
+            <a:off x="6016645" y="2717088"/>
+            <a:ext cx="2814737" cy="2009577"/>
           </a:xfrm>
           <a:prstGeom prst="roundRect">
             <a:avLst>
@@ -6589,13 +6422,13 @@
       </p:sp>
       <p:sp>
         <p:nvSpPr>
-          <p:cNvPr id="180" name="箭头"/>
+          <p:cNvPr id="176" name="箭头"/>
           <p:cNvSpPr/>
           <p:nvPr/>
         </p:nvSpPr>
         <p:spPr>
           <a:xfrm>
-            <a:off x="7791450" y="3010676"/>
+            <a:off x="8858369" y="3086876"/>
             <a:ext cx="2981921" cy="1270001"/>
           </a:xfrm>
           <a:prstGeom prst="rightArrow">
@@ -6630,13 +6463,13 @@
       </p:sp>
       <p:sp>
         <p:nvSpPr>
-          <p:cNvPr id="181" name="web服务"/>
+          <p:cNvPr id="177" name="web服务"/>
           <p:cNvSpPr txBox="1"/>
           <p:nvPr/>
         </p:nvSpPr>
         <p:spPr>
           <a:xfrm>
-            <a:off x="8178952" y="3385326"/>
+            <a:off x="9245871" y="3461526"/>
             <a:ext cx="1333196" cy="520701"/>
           </a:xfrm>
           <a:prstGeom prst="rect">
@@ -6666,13 +6499,13 @@
       </p:sp>
       <p:sp>
         <p:nvSpPr>
-          <p:cNvPr id="182" name="线条"/>
+          <p:cNvPr id="178" name="线条"/>
           <p:cNvSpPr/>
           <p:nvPr/>
         </p:nvSpPr>
         <p:spPr>
           <a:xfrm flipV="1">
-            <a:off x="5707699" y="1630048"/>
+            <a:off x="6774618" y="1706248"/>
             <a:ext cx="1" cy="1018711"/>
           </a:xfrm>
           <a:prstGeom prst="line">
@@ -6703,13 +6536,13 @@
       </p:sp>
       <p:sp>
         <p:nvSpPr>
-          <p:cNvPr id="183" name="依赖"/>
+          <p:cNvPr id="179" name="依赖"/>
           <p:cNvSpPr txBox="1"/>
           <p:nvPr/>
         </p:nvSpPr>
         <p:spPr>
           <a:xfrm>
-            <a:off x="5428818" y="1910803"/>
+            <a:off x="6495737" y="1987003"/>
             <a:ext cx="622301" cy="457201"/>
           </a:xfrm>
           <a:prstGeom prst="rect">
@@ -6747,13 +6580,13 @@
       </p:sp>
       <p:sp>
         <p:nvSpPr>
-          <p:cNvPr id="184" name="线条"/>
+          <p:cNvPr id="180" name="线条"/>
           <p:cNvSpPr/>
           <p:nvPr/>
         </p:nvSpPr>
         <p:spPr>
           <a:xfrm flipH="1">
-            <a:off x="4015280" y="3618104"/>
+            <a:off x="5082199" y="3694304"/>
             <a:ext cx="899029" cy="1"/>
           </a:xfrm>
           <a:prstGeom prst="line">
@@ -6784,13 +6617,13 @@
       </p:sp>
       <p:sp>
         <p:nvSpPr>
-          <p:cNvPr id="185" name="依赖"/>
+          <p:cNvPr id="181" name="依赖"/>
           <p:cNvSpPr txBox="1"/>
           <p:nvPr/>
         </p:nvSpPr>
         <p:spPr>
           <a:xfrm>
-            <a:off x="4229844" y="3440304"/>
+            <a:off x="5296763" y="3516504"/>
             <a:ext cx="469901" cy="355601"/>
           </a:xfrm>
           <a:prstGeom prst="rect">
@@ -6828,14 +6661,14 @@
       </p:sp>
       <p:sp>
         <p:nvSpPr>
-          <p:cNvPr id="186" name="coreWeb"/>
+          <p:cNvPr id="182" name="coreWeb"/>
           <p:cNvSpPr txBox="1"/>
           <p:nvPr/>
         </p:nvSpPr>
         <p:spPr>
           <a:xfrm>
-            <a:off x="3029033" y="1292721"/>
-            <a:ext cx="804616" cy="262648"/>
+            <a:off x="4095953" y="1368921"/>
+            <a:ext cx="804615" cy="262648"/>
           </a:xfrm>
           <a:prstGeom prst="rect">
             <a:avLst/>
@@ -6868,13 +6701,13 @@
       </p:sp>
       <p:sp>
         <p:nvSpPr>
-          <p:cNvPr id="187" name="ServerCore 模块：…"/>
+          <p:cNvPr id="183" name="ServerCore 模块：…"/>
           <p:cNvSpPr/>
           <p:nvPr/>
         </p:nvSpPr>
         <p:spPr>
           <a:xfrm>
-            <a:off x="1278943" y="5549188"/>
+            <a:off x="2345862" y="5625388"/>
             <a:ext cx="6371703" cy="3313709"/>
           </a:xfrm>
           <a:prstGeom prst="roundRect">
@@ -6965,13 +6798,13 @@
       </p:sp>
       <p:sp>
         <p:nvSpPr>
-          <p:cNvPr id="188" name="Mongo…"/>
+          <p:cNvPr id="184" name="Mongo…"/>
           <p:cNvSpPr txBox="1"/>
           <p:nvPr/>
         </p:nvSpPr>
         <p:spPr>
           <a:xfrm>
-            <a:off x="97590" y="6338486"/>
+            <a:off x="1164510" y="6414686"/>
             <a:ext cx="622301" cy="352654"/>
           </a:xfrm>
           <a:prstGeom prst="rect">
@@ -7011,13 +6844,13 @@
       </p:sp>
       <p:sp>
         <p:nvSpPr>
-          <p:cNvPr id="189" name="Network"/>
+          <p:cNvPr id="185" name="Network"/>
           <p:cNvSpPr txBox="1"/>
           <p:nvPr/>
         </p:nvSpPr>
         <p:spPr>
           <a:xfrm>
-            <a:off x="97590" y="6859555"/>
+            <a:off x="1164510" y="6935755"/>
             <a:ext cx="622301" cy="250317"/>
           </a:xfrm>
           <a:prstGeom prst="rect">
@@ -7051,13 +6884,13 @@
       </p:sp>
       <p:sp>
         <p:nvSpPr>
-          <p:cNvPr id="190" name="RPC"/>
+          <p:cNvPr id="186" name="RPC"/>
           <p:cNvSpPr txBox="1"/>
           <p:nvPr/>
         </p:nvSpPr>
         <p:spPr>
           <a:xfrm>
-            <a:off x="97590" y="7278286"/>
+            <a:off x="1164510" y="7354486"/>
             <a:ext cx="622301" cy="262649"/>
           </a:xfrm>
           <a:prstGeom prst="rect">
@@ -7091,13 +6924,13 @@
       </p:sp>
       <p:sp>
         <p:nvSpPr>
-          <p:cNvPr id="191" name="module"/>
+          <p:cNvPr id="187" name="module"/>
           <p:cNvSpPr txBox="1"/>
           <p:nvPr/>
         </p:nvSpPr>
         <p:spPr>
           <a:xfrm>
-            <a:off x="97590" y="7709350"/>
+            <a:off x="1164510" y="7785550"/>
             <a:ext cx="622301" cy="262648"/>
           </a:xfrm>
           <a:prstGeom prst="rect">
@@ -7131,13 +6964,13 @@
       </p:sp>
       <p:sp>
         <p:nvSpPr>
-          <p:cNvPr id="192" name="线条"/>
+          <p:cNvPr id="188" name="线条"/>
           <p:cNvSpPr/>
           <p:nvPr/>
         </p:nvSpPr>
         <p:spPr>
           <a:xfrm flipH="1">
-            <a:off x="586280" y="6514813"/>
+            <a:off x="1653199" y="6591013"/>
             <a:ext cx="622301" cy="1"/>
           </a:xfrm>
           <a:prstGeom prst="line">
@@ -7168,13 +7001,13 @@
       </p:sp>
       <p:sp>
         <p:nvSpPr>
-          <p:cNvPr id="193" name="依赖"/>
+          <p:cNvPr id="189" name="依赖"/>
           <p:cNvSpPr txBox="1"/>
           <p:nvPr/>
         </p:nvSpPr>
         <p:spPr>
           <a:xfrm>
-            <a:off x="764467" y="6337013"/>
+            <a:off x="1831386" y="6413213"/>
             <a:ext cx="469901" cy="355601"/>
           </a:xfrm>
           <a:prstGeom prst="rect">
@@ -7212,13 +7045,13 @@
       </p:sp>
       <p:sp>
         <p:nvSpPr>
-          <p:cNvPr id="194" name="线条"/>
+          <p:cNvPr id="190" name="线条"/>
           <p:cNvSpPr/>
           <p:nvPr/>
         </p:nvSpPr>
         <p:spPr>
           <a:xfrm flipH="1">
-            <a:off x="675373" y="6984713"/>
+            <a:off x="1742293" y="7060913"/>
             <a:ext cx="622301" cy="1"/>
           </a:xfrm>
           <a:prstGeom prst="line">
@@ -7249,13 +7082,13 @@
       </p:sp>
       <p:sp>
         <p:nvSpPr>
-          <p:cNvPr id="195" name="依赖"/>
+          <p:cNvPr id="191" name="依赖"/>
           <p:cNvSpPr txBox="1"/>
           <p:nvPr/>
         </p:nvSpPr>
         <p:spPr>
           <a:xfrm>
-            <a:off x="853560" y="6806913"/>
+            <a:off x="1920480" y="6883113"/>
             <a:ext cx="469901" cy="355601"/>
           </a:xfrm>
           <a:prstGeom prst="rect">
@@ -7293,13 +7126,13 @@
       </p:sp>
       <p:sp>
         <p:nvSpPr>
-          <p:cNvPr id="196" name="线条"/>
+          <p:cNvPr id="192" name="线条"/>
           <p:cNvSpPr/>
           <p:nvPr/>
         </p:nvSpPr>
         <p:spPr>
           <a:xfrm flipH="1">
-            <a:off x="662480" y="7409610"/>
+            <a:off x="1729399" y="7485810"/>
             <a:ext cx="622301" cy="1"/>
           </a:xfrm>
           <a:prstGeom prst="line">
@@ -7330,13 +7163,13 @@
       </p:sp>
       <p:sp>
         <p:nvSpPr>
-          <p:cNvPr id="197" name="依赖"/>
+          <p:cNvPr id="193" name="依赖"/>
           <p:cNvSpPr txBox="1"/>
           <p:nvPr/>
         </p:nvSpPr>
         <p:spPr>
           <a:xfrm>
-            <a:off x="840667" y="7231810"/>
+            <a:off x="1907586" y="7308010"/>
             <a:ext cx="469901" cy="355601"/>
           </a:xfrm>
           <a:prstGeom prst="rect">
@@ -7374,13 +7207,13 @@
       </p:sp>
       <p:sp>
         <p:nvSpPr>
-          <p:cNvPr id="198" name="线条"/>
+          <p:cNvPr id="194" name="线条"/>
           <p:cNvSpPr/>
           <p:nvPr/>
         </p:nvSpPr>
         <p:spPr>
           <a:xfrm flipH="1">
-            <a:off x="649586" y="7840674"/>
+            <a:off x="1716505" y="7916874"/>
             <a:ext cx="622301" cy="1"/>
           </a:xfrm>
           <a:prstGeom prst="line">
@@ -7411,13 +7244,13 @@
       </p:sp>
       <p:sp>
         <p:nvSpPr>
-          <p:cNvPr id="199" name="依赖"/>
+          <p:cNvPr id="195" name="依赖"/>
           <p:cNvSpPr txBox="1"/>
           <p:nvPr/>
         </p:nvSpPr>
         <p:spPr>
           <a:xfrm>
-            <a:off x="827773" y="7662874"/>
+            <a:off x="1894693" y="7739074"/>
             <a:ext cx="469901" cy="355601"/>
           </a:xfrm>
           <a:prstGeom prst="rect">
@@ -7455,13 +7288,13 @@
       </p:sp>
       <p:sp>
         <p:nvSpPr>
-          <p:cNvPr id="200" name="线条"/>
+          <p:cNvPr id="196" name="线条"/>
           <p:cNvSpPr/>
           <p:nvPr/>
         </p:nvSpPr>
         <p:spPr>
           <a:xfrm flipV="1">
-            <a:off x="2737634" y="4601848"/>
+            <a:off x="3804554" y="4678048"/>
             <a:ext cx="1" cy="1018711"/>
           </a:xfrm>
           <a:prstGeom prst="line">
@@ -7492,13 +7325,13 @@
       </p:sp>
       <p:sp>
         <p:nvSpPr>
-          <p:cNvPr id="201" name="依赖"/>
+          <p:cNvPr id="197" name="依赖"/>
           <p:cNvSpPr txBox="1"/>
           <p:nvPr/>
         </p:nvSpPr>
         <p:spPr>
           <a:xfrm>
-            <a:off x="2458753" y="4882603"/>
+            <a:off x="3525672" y="4958803"/>
             <a:ext cx="622301" cy="457201"/>
           </a:xfrm>
           <a:prstGeom prst="rect">
@@ -7530,6 +7363,50 @@
             <a:pPr/>
             <a:r>
               <a:t>依赖</a:t>
+            </a:r>
+          </a:p>
+        </p:txBody>
+      </p:sp>
+      <p:sp>
+        <p:nvSpPr>
+          <p:cNvPr id="198" name="核心模块简述 及依赖关系  图例说明"/>
+          <p:cNvSpPr txBox="1"/>
+          <p:nvPr/>
+        </p:nvSpPr>
+        <p:spPr>
+          <a:xfrm>
+            <a:off x="1228526" y="419932"/>
+            <a:ext cx="8813404" cy="635001"/>
+          </a:xfrm>
+          <a:prstGeom prst="rect">
+            <a:avLst/>
+          </a:prstGeom>
+          <a:ln w="12700">
+            <a:miter lim="400000"/>
+          </a:ln>
+          <a:extLst>
+            <a:ext uri="{C572A759-6A51-4108-AA02-DFA0A04FC94B}">
+              <ma14:wrappingTextBoxFlag xmlns:ma14="http://schemas.microsoft.com/office/mac/drawingml/2011/main" val="1"/>
+            </a:ext>
+          </a:extLst>
+        </p:spPr>
+        <p:txBody>
+          <a:bodyPr lIns="50800" tIns="50800" rIns="50800" bIns="50800" anchor="ctr">
+            <a:spAutoFit/>
+          </a:bodyPr>
+          <a:lstStyle>
+            <a:lvl1pPr>
+              <a:defRPr sz="3000">
+                <a:solidFill>
+                  <a:srgbClr val="00F900"/>
+                </a:solidFill>
+              </a:defRPr>
+            </a:lvl1pPr>
+          </a:lstStyle>
+          <a:p>
+            <a:pPr/>
+            <a:r>
+              <a:t>核心模块简述 及依赖关系  图例说明</a:t>
             </a:r>
           </a:p>
         </p:txBody>
@@ -7562,7 +7439,7 @@
       </p:grpSpPr>
       <p:sp>
         <p:nvSpPr>
-          <p:cNvPr id="203" name="项目层级划分"/>
+          <p:cNvPr id="200" name="项目层级划分"/>
           <p:cNvSpPr txBox="1"/>
           <p:nvPr/>
         </p:nvSpPr>
@@ -7602,7 +7479,7 @@
       </p:sp>
       <p:sp>
         <p:nvSpPr>
-          <p:cNvPr id="204" name="圆角矩形"/>
+          <p:cNvPr id="201" name="圆角矩形"/>
           <p:cNvSpPr/>
           <p:nvPr/>
         </p:nvSpPr>
@@ -7640,7 +7517,7 @@
       </p:sp>
       <p:sp>
         <p:nvSpPr>
-          <p:cNvPr id="205" name="理论核心层…"/>
+          <p:cNvPr id="202" name="理论核心层…"/>
           <p:cNvSpPr/>
           <p:nvPr/>
         </p:nvSpPr>
@@ -7754,7 +7631,7 @@
       </p:sp>
       <p:sp>
         <p:nvSpPr>
-          <p:cNvPr id="206" name="平台层…"/>
+          <p:cNvPr id="203" name="平台层…"/>
           <p:cNvSpPr/>
           <p:nvPr/>
         </p:nvSpPr>
@@ -7820,7 +7697,7 @@
       </p:sp>
       <p:sp>
         <p:nvSpPr>
-          <p:cNvPr id="207" name="Server Core"/>
+          <p:cNvPr id="204" name="Server Core"/>
           <p:cNvSpPr/>
           <p:nvPr/>
         </p:nvSpPr>
@@ -7868,7 +7745,7 @@
       </p:sp>
       <p:sp>
         <p:nvSpPr>
-          <p:cNvPr id="208" name="实际核心层"/>
+          <p:cNvPr id="205" name="实际核心层"/>
           <p:cNvSpPr txBox="1"/>
           <p:nvPr/>
         </p:nvSpPr>
@@ -7912,7 +7789,7 @@
       </p:sp>
       <p:sp>
         <p:nvSpPr>
-          <p:cNvPr id="209" name="CoreLog"/>
+          <p:cNvPr id="206" name="CoreLog"/>
           <p:cNvSpPr/>
           <p:nvPr/>
         </p:nvSpPr>
@@ -7989,13 +7866,13 @@
       </p:grpSpPr>
       <p:sp>
         <p:nvSpPr>
-          <p:cNvPr id="211" name="圆角矩形"/>
+          <p:cNvPr id="208" name="圆角矩形"/>
           <p:cNvSpPr/>
           <p:nvPr/>
         </p:nvSpPr>
         <p:spPr>
           <a:xfrm>
-            <a:off x="1463898" y="894903"/>
+            <a:off x="1595597" y="971103"/>
             <a:ext cx="9675516" cy="7709794"/>
           </a:xfrm>
           <a:prstGeom prst="roundRect">
@@ -8029,54 +7906,14 @@
       </p:sp>
       <p:sp>
         <p:nvSpPr>
-          <p:cNvPr id="212" name="项目层级划分"/>
-          <p:cNvSpPr txBox="1"/>
-          <p:nvPr/>
-        </p:nvSpPr>
-        <p:spPr>
-          <a:xfrm>
-            <a:off x="1292026" y="-3672"/>
-            <a:ext cx="8813404" cy="723901"/>
-          </a:xfrm>
-          <a:prstGeom prst="rect">
-            <a:avLst/>
-          </a:prstGeom>
-          <a:ln w="12700">
-            <a:miter lim="400000"/>
-          </a:ln>
-          <a:extLst>
-            <a:ext uri="{C572A759-6A51-4108-AA02-DFA0A04FC94B}">
-              <ma14:wrappingTextBoxFlag xmlns:ma14="http://schemas.microsoft.com/office/mac/drawingml/2011/main" val="1"/>
-            </a:ext>
-          </a:extLst>
-        </p:spPr>
-        <p:txBody>
-          <a:bodyPr lIns="50800" tIns="50800" rIns="50800" bIns="50800" anchor="ctr">
-            <a:spAutoFit/>
-          </a:bodyPr>
-          <a:lstStyle>
-            <a:lvl1pPr>
-              <a:defRPr sz="3500"/>
-            </a:lvl1pPr>
-          </a:lstStyle>
-          <a:p>
-            <a:pPr/>
-            <a:r>
-              <a:t>项目层级划分</a:t>
-            </a:r>
-          </a:p>
-        </p:txBody>
-      </p:sp>
-      <p:sp>
-        <p:nvSpPr>
-          <p:cNvPr id="213" name="圆角矩形"/>
+          <p:cNvPr id="209" name="圆角矩形"/>
           <p:cNvSpPr/>
           <p:nvPr/>
         </p:nvSpPr>
         <p:spPr>
           <a:xfrm>
-            <a:off x="2244873" y="2015182"/>
-            <a:ext cx="2182615" cy="6487270"/>
+            <a:off x="2376573" y="2091382"/>
+            <a:ext cx="2182614" cy="6487270"/>
           </a:xfrm>
           <a:prstGeom prst="roundRect">
             <a:avLst>
@@ -8107,13 +7944,13 @@
       </p:sp>
       <p:sp>
         <p:nvSpPr>
-          <p:cNvPr id="214" name="实际核心层…"/>
+          <p:cNvPr id="210" name="实际核心层…"/>
           <p:cNvSpPr txBox="1"/>
           <p:nvPr/>
         </p:nvSpPr>
         <p:spPr>
           <a:xfrm>
-            <a:off x="2322263" y="3546554"/>
+            <a:off x="2453962" y="3622754"/>
             <a:ext cx="2027836" cy="3293160"/>
           </a:xfrm>
           <a:prstGeom prst="rect">
@@ -8235,13 +8072,13 @@
       </p:sp>
       <p:sp>
         <p:nvSpPr>
-          <p:cNvPr id="215" name="圆角矩形"/>
+          <p:cNvPr id="211" name="圆角矩形"/>
           <p:cNvSpPr/>
           <p:nvPr/>
         </p:nvSpPr>
         <p:spPr>
           <a:xfrm>
-            <a:off x="5341689" y="1869969"/>
+            <a:off x="5473388" y="1946169"/>
             <a:ext cx="3157638" cy="6646330"/>
           </a:xfrm>
           <a:prstGeom prst="roundRect">
@@ -8273,13 +8110,13 @@
       </p:sp>
       <p:sp>
         <p:nvSpPr>
-          <p:cNvPr id="216" name="支持层"/>
+          <p:cNvPr id="212" name="支持层"/>
           <p:cNvSpPr txBox="1"/>
           <p:nvPr/>
         </p:nvSpPr>
         <p:spPr>
           <a:xfrm>
-            <a:off x="6406157" y="1869969"/>
+            <a:off x="6537857" y="1946169"/>
             <a:ext cx="1028701" cy="520701"/>
           </a:xfrm>
           <a:prstGeom prst="rect">
@@ -8317,13 +8154,13 @@
       </p:sp>
       <p:sp>
         <p:nvSpPr>
-          <p:cNvPr id="217" name="线条"/>
+          <p:cNvPr id="213" name="线条"/>
           <p:cNvSpPr/>
           <p:nvPr/>
         </p:nvSpPr>
         <p:spPr>
           <a:xfrm flipH="1">
-            <a:off x="4435074" y="5193134"/>
+            <a:off x="4566773" y="5269334"/>
             <a:ext cx="899029" cy="1"/>
           </a:xfrm>
           <a:prstGeom prst="line">
@@ -8354,13 +8191,13 @@
       </p:sp>
       <p:sp>
         <p:nvSpPr>
-          <p:cNvPr id="218" name="依赖"/>
+          <p:cNvPr id="214" name="依赖"/>
           <p:cNvSpPr txBox="1"/>
           <p:nvPr/>
         </p:nvSpPr>
         <p:spPr>
           <a:xfrm>
-            <a:off x="4611538" y="4989934"/>
+            <a:off x="4743237" y="5066134"/>
             <a:ext cx="546101" cy="406401"/>
           </a:xfrm>
           <a:prstGeom prst="rect">
@@ -8398,14 +8235,14 @@
       </p:sp>
       <p:sp>
         <p:nvSpPr>
-          <p:cNvPr id="219" name="Web4osgi"/>
+          <p:cNvPr id="215" name="Web4osgi"/>
           <p:cNvSpPr/>
           <p:nvPr/>
         </p:nvSpPr>
         <p:spPr>
           <a:xfrm>
-            <a:off x="5906590" y="2575656"/>
-            <a:ext cx="2027835" cy="1155156"/>
+            <a:off x="6038289" y="2651856"/>
+            <a:ext cx="2027836" cy="1155156"/>
           </a:xfrm>
           <a:prstGeom prst="roundRect">
             <a:avLst>
@@ -8448,13 +8285,13 @@
       </p:sp>
       <p:sp>
         <p:nvSpPr>
-          <p:cNvPr id="220" name="OSGI 容器 ：…"/>
+          <p:cNvPr id="216" name="OSGI 容器 ：…"/>
           <p:cNvSpPr txBox="1"/>
           <p:nvPr/>
         </p:nvSpPr>
         <p:spPr>
           <a:xfrm>
-            <a:off x="2544140" y="931853"/>
+            <a:off x="2675839" y="1008053"/>
             <a:ext cx="6494120" cy="871705"/>
           </a:xfrm>
           <a:prstGeom prst="rect">
@@ -8494,14 +8331,14 @@
       </p:sp>
       <p:sp>
         <p:nvSpPr>
-          <p:cNvPr id="221" name="permission manager"/>
+          <p:cNvPr id="217" name="permission manager"/>
           <p:cNvSpPr/>
           <p:nvPr/>
         </p:nvSpPr>
         <p:spPr>
           <a:xfrm>
-            <a:off x="5906590" y="3913173"/>
-            <a:ext cx="2027835" cy="1155155"/>
+            <a:off x="6038289" y="3989373"/>
+            <a:ext cx="2027836" cy="1155155"/>
           </a:xfrm>
           <a:prstGeom prst="roundRect">
             <a:avLst>
@@ -8544,14 +8381,14 @@
       </p:sp>
       <p:sp>
         <p:nvSpPr>
-          <p:cNvPr id="222" name="domain…"/>
+          <p:cNvPr id="218" name="domain…"/>
           <p:cNvSpPr/>
           <p:nvPr/>
         </p:nvSpPr>
         <p:spPr>
           <a:xfrm>
-            <a:off x="5906590" y="5250689"/>
-            <a:ext cx="2027835" cy="1155156"/>
+            <a:off x="6038289" y="5326889"/>
+            <a:ext cx="2027836" cy="1155156"/>
           </a:xfrm>
           <a:prstGeom prst="roundRect">
             <a:avLst>
@@ -8605,14 +8442,14 @@
       </p:sp>
       <p:sp>
         <p:nvSpPr>
-          <p:cNvPr id="223" name="menu…"/>
+          <p:cNvPr id="219" name="menu…"/>
           <p:cNvSpPr/>
           <p:nvPr/>
         </p:nvSpPr>
         <p:spPr>
           <a:xfrm>
-            <a:off x="5906590" y="6590831"/>
-            <a:ext cx="2027835" cy="1155156"/>
+            <a:off x="6038289" y="6667031"/>
+            <a:ext cx="2027836" cy="1155156"/>
           </a:xfrm>
           <a:prstGeom prst="roundRect">
             <a:avLst>
@@ -8666,14 +8503,14 @@
       </p:sp>
       <p:sp>
         <p:nvSpPr>
-          <p:cNvPr id="224" name="圆角矩形"/>
+          <p:cNvPr id="220" name="圆角矩形"/>
           <p:cNvSpPr/>
           <p:nvPr/>
         </p:nvSpPr>
         <p:spPr>
           <a:xfrm>
-            <a:off x="8991600" y="4989934"/>
-            <a:ext cx="1708547" cy="3320542"/>
+            <a:off x="9123299" y="5066134"/>
+            <a:ext cx="1708548" cy="3320542"/>
           </a:xfrm>
           <a:prstGeom prst="roundRect">
             <a:avLst>
@@ -8704,13 +8541,13 @@
       </p:sp>
       <p:sp>
         <p:nvSpPr>
-          <p:cNvPr id="225" name="业务层"/>
+          <p:cNvPr id="221" name="业务层"/>
           <p:cNvSpPr txBox="1"/>
           <p:nvPr/>
         </p:nvSpPr>
         <p:spPr>
           <a:xfrm>
-            <a:off x="9331523" y="4998466"/>
+            <a:off x="9463222" y="5074666"/>
             <a:ext cx="1028701" cy="520701"/>
           </a:xfrm>
           <a:prstGeom prst="rect">
@@ -8748,13 +8585,13 @@
       </p:sp>
       <p:sp>
         <p:nvSpPr>
-          <p:cNvPr id="226" name="圆角矩形"/>
+          <p:cNvPr id="222" name="圆角矩形"/>
           <p:cNvSpPr/>
           <p:nvPr/>
         </p:nvSpPr>
         <p:spPr>
           <a:xfrm>
-            <a:off x="8974782" y="1861267"/>
+            <a:off x="9106481" y="1937467"/>
             <a:ext cx="1742183" cy="2815234"/>
           </a:xfrm>
           <a:prstGeom prst="roundRect">
@@ -8789,13 +8626,13 @@
       </p:sp>
       <p:sp>
         <p:nvSpPr>
-          <p:cNvPr id="227" name="特殊服务模块"/>
+          <p:cNvPr id="223" name="特殊服务模块"/>
           <p:cNvSpPr txBox="1"/>
           <p:nvPr/>
         </p:nvSpPr>
         <p:spPr>
           <a:xfrm>
-            <a:off x="9026723" y="2066819"/>
+            <a:off x="9158422" y="2143019"/>
             <a:ext cx="1638301" cy="457201"/>
           </a:xfrm>
           <a:prstGeom prst="rect">
@@ -8833,13 +8670,13 @@
       </p:sp>
       <p:sp>
         <p:nvSpPr>
-          <p:cNvPr id="228" name="1、实际核心层，任意容器均必备，支持层根据需要部署，如果不需要，可以不部署任何 支持层项目。…"/>
+          <p:cNvPr id="224" name="1、实际核心层，任意容器均必备，支持层根据需要部署，如果不需要，可以不部署任何 支持层项目。…"/>
           <p:cNvSpPr txBox="1"/>
           <p:nvPr/>
         </p:nvSpPr>
         <p:spPr>
           <a:xfrm>
-            <a:off x="1707056" y="8623909"/>
+            <a:off x="1838755" y="8700109"/>
             <a:ext cx="10426904" cy="1035332"/>
           </a:xfrm>
           <a:prstGeom prst="rect">
@@ -8873,6 +8710,46 @@
             </a:pPr>
             <a:r>
               <a:t>2、特殊服务模块（例如中心服务器模块） 可以与业务层共存</a:t>
+            </a:r>
+          </a:p>
+        </p:txBody>
+      </p:sp>
+      <p:sp>
+        <p:nvSpPr>
+          <p:cNvPr id="225" name="项目层级划分"/>
+          <p:cNvSpPr txBox="1"/>
+          <p:nvPr/>
+        </p:nvSpPr>
+        <p:spPr>
+          <a:xfrm>
+            <a:off x="2523926" y="224928"/>
+            <a:ext cx="8813404" cy="723901"/>
+          </a:xfrm>
+          <a:prstGeom prst="rect">
+            <a:avLst/>
+          </a:prstGeom>
+          <a:ln w="12700">
+            <a:miter lim="400000"/>
+          </a:ln>
+          <a:extLst>
+            <a:ext uri="{C572A759-6A51-4108-AA02-DFA0A04FC94B}">
+              <ma14:wrappingTextBoxFlag xmlns:ma14="http://schemas.microsoft.com/office/mac/drawingml/2011/main" val="1"/>
+            </a:ext>
+          </a:extLst>
+        </p:spPr>
+        <p:txBody>
+          <a:bodyPr lIns="50800" tIns="50800" rIns="50800" bIns="50800" anchor="ctr">
+            <a:spAutoFit/>
+          </a:bodyPr>
+          <a:lstStyle>
+            <a:lvl1pPr>
+              <a:defRPr sz="3500"/>
+            </a:lvl1pPr>
+          </a:lstStyle>
+          <a:p>
+            <a:pPr/>
+            <a:r>
+              <a:t>项目层级划分</a:t>
             </a:r>
           </a:p>
         </p:txBody>
@@ -8905,7 +8782,7 @@
       </p:grpSpPr>
       <p:sp>
         <p:nvSpPr>
-          <p:cNvPr id="230" name="特殊模块"/>
+          <p:cNvPr id="227" name="特殊模块"/>
           <p:cNvSpPr txBox="1"/>
           <p:nvPr/>
         </p:nvSpPr>
@@ -8945,7 +8822,7 @@
       </p:sp>
       <p:sp>
         <p:nvSpPr>
-          <p:cNvPr id="231" name="中心服务器"/>
+          <p:cNvPr id="228" name="中心服务器"/>
           <p:cNvSpPr/>
           <p:nvPr/>
         </p:nvSpPr>
@@ -8995,7 +8872,7 @@
       </p:sp>
       <p:sp>
         <p:nvSpPr>
-          <p:cNvPr id="232" name="日志中心服务"/>
+          <p:cNvPr id="229" name="日志中心服务"/>
           <p:cNvSpPr/>
           <p:nvPr/>
         </p:nvSpPr>
@@ -9045,7 +8922,7 @@
       </p:sp>
       <p:sp>
         <p:nvSpPr>
-          <p:cNvPr id="233" name="容器管理服务"/>
+          <p:cNvPr id="230" name="容器管理服务"/>
           <p:cNvSpPr/>
           <p:nvPr/>
         </p:nvSpPr>
@@ -9095,7 +8972,7 @@
       </p:sp>
       <p:sp>
         <p:nvSpPr>
-          <p:cNvPr id="234" name="用户中心"/>
+          <p:cNvPr id="231" name="用户中心"/>
           <p:cNvSpPr/>
           <p:nvPr/>
         </p:nvSpPr>
@@ -9145,7 +9022,7 @@
       </p:sp>
       <p:sp>
         <p:nvSpPr>
-          <p:cNvPr id="235" name="验证中心"/>
+          <p:cNvPr id="232" name="验证中心"/>
           <p:cNvSpPr/>
           <p:nvPr/>
         </p:nvSpPr>
@@ -9195,7 +9072,7 @@
       </p:sp>
       <p:sp>
         <p:nvSpPr>
-          <p:cNvPr id="236" name="所有特殊模块，集群默认存在并且默认存活，通过负载来保证需要。"/>
+          <p:cNvPr id="233" name="所有特殊模块，集群默认存在并且默认存活，通过负载来保证需要。"/>
           <p:cNvSpPr txBox="1"/>
           <p:nvPr/>
         </p:nvSpPr>
@@ -9231,7 +9108,7 @@
       </p:sp>
       <p:sp>
         <p:nvSpPr>
-          <p:cNvPr id="237" name="文件中心服务"/>
+          <p:cNvPr id="234" name="文件中心服务"/>
           <p:cNvSpPr/>
           <p:nvPr/>
         </p:nvSpPr>
